--- a/cisco/cisco2.pptx
+++ b/cisco/cisco2.pptx
@@ -25,6 +25,12 @@
     <p:sldId id="279" r:id="rId19"/>
     <p:sldId id="280" r:id="rId20"/>
     <p:sldId id="281" r:id="rId21"/>
+    <p:sldId id="282" r:id="rId22"/>
+    <p:sldId id="283" r:id="rId23"/>
+    <p:sldId id="284" r:id="rId24"/>
+    <p:sldId id="285" r:id="rId25"/>
+    <p:sldId id="286" r:id="rId26"/>
+    <p:sldId id="287" r:id="rId27"/>
   </p:sldIdLst>
   <p:sldSz cx="12192000" cy="6858000"/>
   <p:notesSz cx="6858000" cy="9144000"/>
@@ -294,7 +300,7 @@
           <a:p>
             <a:fld id="{C58F7DD5-14C8-4383-9BDE-184FCAB00349}" type="datetimeFigureOut">
               <a:rPr lang="hu-HU" smtClean="0"/>
-              <a:t>2022. 11. 22.</a:t>
+              <a:t>2022. 12. 13.</a:t>
             </a:fld>
             <a:endParaRPr lang="hu-HU"/>
           </a:p>
@@ -464,7 +470,7 @@
           <a:p>
             <a:fld id="{C58F7DD5-14C8-4383-9BDE-184FCAB00349}" type="datetimeFigureOut">
               <a:rPr lang="hu-HU" smtClean="0"/>
-              <a:t>2022. 11. 22.</a:t>
+              <a:t>2022. 12. 13.</a:t>
             </a:fld>
             <a:endParaRPr lang="hu-HU"/>
           </a:p>
@@ -644,7 +650,7 @@
           <a:p>
             <a:fld id="{C58F7DD5-14C8-4383-9BDE-184FCAB00349}" type="datetimeFigureOut">
               <a:rPr lang="hu-HU" smtClean="0"/>
-              <a:t>2022. 11. 22.</a:t>
+              <a:t>2022. 12. 13.</a:t>
             </a:fld>
             <a:endParaRPr lang="hu-HU"/>
           </a:p>
@@ -814,7 +820,7 @@
           <a:p>
             <a:fld id="{C58F7DD5-14C8-4383-9BDE-184FCAB00349}" type="datetimeFigureOut">
               <a:rPr lang="hu-HU" smtClean="0"/>
-              <a:t>2022. 11. 22.</a:t>
+              <a:t>2022. 12. 13.</a:t>
             </a:fld>
             <a:endParaRPr lang="hu-HU"/>
           </a:p>
@@ -1082,7 +1088,7 @@
           <a:p>
             <a:fld id="{C58F7DD5-14C8-4383-9BDE-184FCAB00349}" type="datetimeFigureOut">
               <a:rPr lang="hu-HU" smtClean="0"/>
-              <a:t>2022. 11. 22.</a:t>
+              <a:t>2022. 12. 13.</a:t>
             </a:fld>
             <a:endParaRPr lang="hu-HU"/>
           </a:p>
@@ -1314,7 +1320,7 @@
           <a:p>
             <a:fld id="{C58F7DD5-14C8-4383-9BDE-184FCAB00349}" type="datetimeFigureOut">
               <a:rPr lang="hu-HU" smtClean="0"/>
-              <a:t>2022. 11. 22.</a:t>
+              <a:t>2022. 12. 13.</a:t>
             </a:fld>
             <a:endParaRPr lang="hu-HU"/>
           </a:p>
@@ -1673,7 +1679,7 @@
           <a:p>
             <a:fld id="{C58F7DD5-14C8-4383-9BDE-184FCAB00349}" type="datetimeFigureOut">
               <a:rPr lang="hu-HU" smtClean="0"/>
-              <a:t>2022. 11. 22.</a:t>
+              <a:t>2022. 12. 13.</a:t>
             </a:fld>
             <a:endParaRPr lang="hu-HU"/>
           </a:p>
@@ -1814,7 +1820,7 @@
           <a:p>
             <a:fld id="{C58F7DD5-14C8-4383-9BDE-184FCAB00349}" type="datetimeFigureOut">
               <a:rPr lang="hu-HU" smtClean="0"/>
-              <a:t>2022. 11. 22.</a:t>
+              <a:t>2022. 12. 13.</a:t>
             </a:fld>
             <a:endParaRPr lang="hu-HU"/>
           </a:p>
@@ -1909,7 +1915,7 @@
           <a:p>
             <a:fld id="{C58F7DD5-14C8-4383-9BDE-184FCAB00349}" type="datetimeFigureOut">
               <a:rPr lang="hu-HU" smtClean="0"/>
-              <a:t>2022. 11. 22.</a:t>
+              <a:t>2022. 12. 13.</a:t>
             </a:fld>
             <a:endParaRPr lang="hu-HU"/>
           </a:p>
@@ -2266,7 +2272,7 @@
           <a:p>
             <a:fld id="{C58F7DD5-14C8-4383-9BDE-184FCAB00349}" type="datetimeFigureOut">
               <a:rPr lang="hu-HU" smtClean="0"/>
-              <a:t>2022. 11. 22.</a:t>
+              <a:t>2022. 12. 13.</a:t>
             </a:fld>
             <a:endParaRPr lang="hu-HU"/>
           </a:p>
@@ -2623,7 +2629,7 @@
           <a:p>
             <a:fld id="{C58F7DD5-14C8-4383-9BDE-184FCAB00349}" type="datetimeFigureOut">
               <a:rPr lang="hu-HU" smtClean="0"/>
-              <a:t>2022. 11. 22.</a:t>
+              <a:t>2022. 12. 13.</a:t>
             </a:fld>
             <a:endParaRPr lang="hu-HU"/>
           </a:p>
@@ -2864,7 +2870,7 @@
           <a:p>
             <a:fld id="{C58F7DD5-14C8-4383-9BDE-184FCAB00349}" type="datetimeFigureOut">
               <a:rPr lang="hu-HU" smtClean="0"/>
-              <a:t>2022. 11. 22.</a:t>
+              <a:t>2022. 12. 13.</a:t>
             </a:fld>
             <a:endParaRPr lang="hu-HU"/>
           </a:p>
@@ -4704,13 +4710,19 @@
           <a:lstStyle/>
           <a:p>
             <a:r>
-              <a:rPr lang="hu-HU" dirty="0"/>
+              <a:rPr lang="hu-HU" dirty="0">
+                <a:latin typeface="Gill Sans Ultra Bold" panose="020B0A02020104020203" pitchFamily="34" charset="-18"/>
+              </a:rPr>
               <a:t>Operációs rendszerek</a:t>
             </a:r>
             <a:br>
-              <a:rPr lang="hu-HU" dirty="0"/>
+              <a:rPr lang="hu-HU" dirty="0">
+                <a:latin typeface="Gill Sans Ultra Bold" panose="020B0A02020104020203" pitchFamily="34" charset="-18"/>
+              </a:rPr>
             </a:br>
-            <a:endParaRPr lang="hu-HU" dirty="0"/>
+            <a:endParaRPr lang="hu-HU" dirty="0">
+              <a:latin typeface="Gill Sans Ultra Bold" panose="020B0A02020104020203" pitchFamily="34" charset="-18"/>
+            </a:endParaRPr>
           </a:p>
         </p:txBody>
       </p:sp>
@@ -4856,17 +4868,25 @@
           </a:xfrm>
         </p:spPr>
         <p:txBody>
-          <a:bodyPr/>
-          <a:lstStyle/>
-          <a:p>
-            <a:r>
-              <a:rPr lang="hu-HU" dirty="0"/>
+          <a:bodyPr>
+            <a:normAutofit fontScale="90000"/>
+          </a:bodyPr>
+          <a:lstStyle/>
+          <a:p>
+            <a:r>
+              <a:rPr lang="hu-HU" dirty="0">
+                <a:latin typeface="Gill Sans Ultra Bold" panose="020B0A02020104020203" pitchFamily="34" charset="-18"/>
+              </a:rPr>
               <a:t>Az operációs rendszer feladata</a:t>
             </a:r>
             <a:br>
-              <a:rPr lang="hu-HU" dirty="0"/>
+              <a:rPr lang="hu-HU" dirty="0">
+                <a:latin typeface="Gill Sans Ultra Bold" panose="020B0A02020104020203" pitchFamily="34" charset="-18"/>
+              </a:rPr>
             </a:br>
-            <a:endParaRPr lang="hu-HU" dirty="0"/>
+            <a:endParaRPr lang="hu-HU" dirty="0">
+              <a:latin typeface="Gill Sans Ultra Bold" panose="020B0A02020104020203" pitchFamily="34" charset="-18"/>
+            </a:endParaRPr>
           </a:p>
         </p:txBody>
       </p:sp>
@@ -5066,17 +5086,25 @@
           </a:xfrm>
         </p:spPr>
         <p:txBody>
-          <a:bodyPr/>
-          <a:lstStyle/>
-          <a:p>
-            <a:r>
-              <a:rPr lang="hu-HU" dirty="0"/>
+          <a:bodyPr>
+            <a:normAutofit fontScale="90000"/>
+          </a:bodyPr>
+          <a:lstStyle/>
+          <a:p>
+            <a:r>
+              <a:rPr lang="hu-HU" dirty="0">
+                <a:latin typeface="Gill Sans Ultra Bold" panose="020B0A02020104020203" pitchFamily="34" charset="-18"/>
+              </a:rPr>
               <a:t>Navigáció az IOS-módok között</a:t>
             </a:r>
             <a:br>
-              <a:rPr lang="hu-HU" dirty="0"/>
+              <a:rPr lang="hu-HU" dirty="0">
+                <a:latin typeface="Gill Sans Ultra Bold" panose="020B0A02020104020203" pitchFamily="34" charset="-18"/>
+              </a:rPr>
             </a:br>
-            <a:endParaRPr lang="hu-HU" dirty="0"/>
+            <a:endParaRPr lang="hu-HU" dirty="0">
+              <a:latin typeface="Gill Sans Ultra Bold" panose="020B0A02020104020203" pitchFamily="34" charset="-18"/>
+            </a:endParaRPr>
           </a:p>
         </p:txBody>
       </p:sp>
@@ -5474,13 +5502,19 @@
           <a:lstStyle/>
           <a:p>
             <a:r>
-              <a:rPr lang="hu-HU" dirty="0"/>
+              <a:rPr lang="hu-HU" dirty="0">
+                <a:latin typeface="Gill Sans Ultra Bold" panose="020B0A02020104020203" pitchFamily="34" charset="-18"/>
+              </a:rPr>
               <a:t>Jelszavak beállítása</a:t>
             </a:r>
             <a:br>
-              <a:rPr lang="hu-HU" dirty="0"/>
+              <a:rPr lang="hu-HU" dirty="0">
+                <a:latin typeface="Gill Sans Ultra Bold" panose="020B0A02020104020203" pitchFamily="34" charset="-18"/>
+              </a:rPr>
             </a:br>
-            <a:endParaRPr lang="hu-HU" dirty="0"/>
+            <a:endParaRPr lang="hu-HU" dirty="0">
+              <a:latin typeface="Gill Sans Ultra Bold" panose="020B0A02020104020203" pitchFamily="34" charset="-18"/>
+            </a:endParaRPr>
           </a:p>
         </p:txBody>
       </p:sp>
@@ -5511,131 +5545,224 @@
           <a:lstStyle/>
           <a:p>
             <a:r>
-              <a:rPr lang="hu-HU" dirty="0"/>
+              <a:rPr lang="hu-HU" dirty="0">
+                <a:latin typeface="Times New Roman" panose="02020603050405020304" pitchFamily="18" charset="0"/>
+                <a:cs typeface="Times New Roman" panose="02020603050405020304" pitchFamily="18" charset="0"/>
+              </a:rPr>
               <a:t>A felhasználói EXEC mód biztonságossá tételéhez lépjünk konzolvonal konfigurációs módjába a </a:t>
             </a:r>
             <a:r>
-              <a:rPr lang="hu-HU" b="1" dirty="0"/>
+              <a:rPr lang="hu-HU" b="1" dirty="0">
+                <a:latin typeface="Times New Roman" panose="02020603050405020304" pitchFamily="18" charset="0"/>
+                <a:cs typeface="Times New Roman" panose="02020603050405020304" pitchFamily="18" charset="0"/>
+              </a:rPr>
               <a:t>line </a:t>
             </a:r>
             <a:r>
-              <a:rPr lang="hu-HU" b="1" dirty="0" err="1"/>
+              <a:rPr lang="hu-HU" b="1" dirty="0" err="1">
+                <a:latin typeface="Times New Roman" panose="02020603050405020304" pitchFamily="18" charset="0"/>
+                <a:cs typeface="Times New Roman" panose="02020603050405020304" pitchFamily="18" charset="0"/>
+              </a:rPr>
               <a:t>console</a:t>
             </a:r>
             <a:r>
-              <a:rPr lang="hu-HU" b="1" dirty="0"/>
+              <a:rPr lang="hu-HU" b="1" dirty="0">
+                <a:latin typeface="Times New Roman" panose="02020603050405020304" pitchFamily="18" charset="0"/>
+                <a:cs typeface="Times New Roman" panose="02020603050405020304" pitchFamily="18" charset="0"/>
+              </a:rPr>
               <a:t> 0</a:t>
             </a:r>
             <a:r>
-              <a:rPr lang="hu-HU" dirty="0"/>
+              <a:rPr lang="hu-HU" dirty="0">
+                <a:latin typeface="Times New Roman" panose="02020603050405020304" pitchFamily="18" charset="0"/>
+                <a:cs typeface="Times New Roman" panose="02020603050405020304" pitchFamily="18" charset="0"/>
+              </a:rPr>
               <a:t> globális </a:t>
             </a:r>
             <a:r>
-              <a:rPr lang="hu-HU" dirty="0" err="1"/>
+              <a:rPr lang="hu-HU" dirty="0" err="1">
+                <a:latin typeface="Times New Roman" panose="02020603050405020304" pitchFamily="18" charset="0"/>
+                <a:cs typeface="Times New Roman" panose="02020603050405020304" pitchFamily="18" charset="0"/>
+              </a:rPr>
               <a:t>konfig</a:t>
             </a:r>
             <a:r>
-              <a:rPr lang="hu-HU" dirty="0"/>
+              <a:rPr lang="hu-HU" dirty="0">
+                <a:latin typeface="Times New Roman" panose="02020603050405020304" pitchFamily="18" charset="0"/>
+                <a:cs typeface="Times New Roman" panose="02020603050405020304" pitchFamily="18" charset="0"/>
+              </a:rPr>
               <a:t> paranccsal, Ezután adjuk meg a felhasználói EXEC mód jelszavát a </a:t>
             </a:r>
             <a:r>
-              <a:rPr lang="hu-HU" b="1" dirty="0" err="1"/>
+              <a:rPr lang="hu-HU" b="1" dirty="0" err="1">
+                <a:latin typeface="Times New Roman" panose="02020603050405020304" pitchFamily="18" charset="0"/>
+                <a:cs typeface="Times New Roman" panose="02020603050405020304" pitchFamily="18" charset="0"/>
+              </a:rPr>
               <a:t>password</a:t>
             </a:r>
             <a:r>
-              <a:rPr lang="hu-HU" dirty="0"/>
+              <a:rPr lang="hu-HU" dirty="0">
+                <a:latin typeface="Times New Roman" panose="02020603050405020304" pitchFamily="18" charset="0"/>
+                <a:cs typeface="Times New Roman" panose="02020603050405020304" pitchFamily="18" charset="0"/>
+              </a:rPr>
               <a:t> </a:t>
             </a:r>
             <a:r>
-              <a:rPr lang="hu-HU" i="1" dirty="0"/>
+              <a:rPr lang="hu-HU" i="1" dirty="0">
+                <a:latin typeface="Times New Roman" panose="02020603050405020304" pitchFamily="18" charset="0"/>
+                <a:cs typeface="Times New Roman" panose="02020603050405020304" pitchFamily="18" charset="0"/>
+              </a:rPr>
               <a:t>jelszó</a:t>
             </a:r>
             <a:r>
-              <a:rPr lang="hu-HU" dirty="0"/>
+              <a:rPr lang="hu-HU" dirty="0">
+                <a:latin typeface="Times New Roman" panose="02020603050405020304" pitchFamily="18" charset="0"/>
+                <a:cs typeface="Times New Roman" panose="02020603050405020304" pitchFamily="18" charset="0"/>
+              </a:rPr>
               <a:t> paranccsal. Végül engedélyezzük a felhasználói EXEC hozzáférést a </a:t>
             </a:r>
             <a:r>
-              <a:rPr lang="hu-HU" b="1" dirty="0"/>
+              <a:rPr lang="hu-HU" b="1" dirty="0">
+                <a:latin typeface="Times New Roman" panose="02020603050405020304" pitchFamily="18" charset="0"/>
+                <a:cs typeface="Times New Roman" panose="02020603050405020304" pitchFamily="18" charset="0"/>
+              </a:rPr>
               <a:t>login</a:t>
             </a:r>
             <a:r>
-              <a:rPr lang="hu-HU" dirty="0"/>
+              <a:rPr lang="hu-HU" dirty="0">
+                <a:latin typeface="Times New Roman" panose="02020603050405020304" pitchFamily="18" charset="0"/>
+                <a:cs typeface="Times New Roman" panose="02020603050405020304" pitchFamily="18" charset="0"/>
+              </a:rPr>
               <a:t> paranccsal.</a:t>
             </a:r>
           </a:p>
           <a:p>
             <a:r>
-              <a:rPr lang="hu-HU" dirty="0"/>
+              <a:rPr lang="hu-HU" dirty="0">
+                <a:latin typeface="Times New Roman" panose="02020603050405020304" pitchFamily="18" charset="0"/>
+                <a:cs typeface="Times New Roman" panose="02020603050405020304" pitchFamily="18" charset="0"/>
+              </a:rPr>
               <a:t>A privilegizált EXEC mód biztonságának beállításához adjuk ki az </a:t>
             </a:r>
             <a:r>
-              <a:rPr lang="hu-HU" b="1" dirty="0" err="1"/>
+              <a:rPr lang="hu-HU" b="1" dirty="0" err="1">
+                <a:latin typeface="Times New Roman" panose="02020603050405020304" pitchFamily="18" charset="0"/>
+                <a:cs typeface="Times New Roman" panose="02020603050405020304" pitchFamily="18" charset="0"/>
+              </a:rPr>
               <a:t>enable</a:t>
             </a:r>
             <a:r>
-              <a:rPr lang="hu-HU" b="1" dirty="0"/>
+              <a:rPr lang="hu-HU" b="1" dirty="0">
+                <a:latin typeface="Times New Roman" panose="02020603050405020304" pitchFamily="18" charset="0"/>
+                <a:cs typeface="Times New Roman" panose="02020603050405020304" pitchFamily="18" charset="0"/>
+              </a:rPr>
               <a:t> </a:t>
             </a:r>
             <a:r>
-              <a:rPr lang="hu-HU" b="1" dirty="0" err="1"/>
+              <a:rPr lang="hu-HU" b="1" dirty="0" err="1">
+                <a:latin typeface="Times New Roman" panose="02020603050405020304" pitchFamily="18" charset="0"/>
+                <a:cs typeface="Times New Roman" panose="02020603050405020304" pitchFamily="18" charset="0"/>
+              </a:rPr>
               <a:t>secret</a:t>
             </a:r>
             <a:r>
-              <a:rPr lang="hu-HU" dirty="0"/>
+              <a:rPr lang="hu-HU" dirty="0">
+                <a:latin typeface="Times New Roman" panose="02020603050405020304" pitchFamily="18" charset="0"/>
+                <a:cs typeface="Times New Roman" panose="02020603050405020304" pitchFamily="18" charset="0"/>
+              </a:rPr>
               <a:t> </a:t>
             </a:r>
             <a:r>
-              <a:rPr lang="hu-HU" i="1" dirty="0"/>
+              <a:rPr lang="hu-HU" i="1" dirty="0">
+                <a:latin typeface="Times New Roman" panose="02020603050405020304" pitchFamily="18" charset="0"/>
+                <a:cs typeface="Times New Roman" panose="02020603050405020304" pitchFamily="18" charset="0"/>
+              </a:rPr>
               <a:t>jelszó</a:t>
             </a:r>
             <a:r>
-              <a:rPr lang="hu-HU" dirty="0"/>
+              <a:rPr lang="hu-HU" dirty="0">
+                <a:latin typeface="Times New Roman" panose="02020603050405020304" pitchFamily="18" charset="0"/>
+                <a:cs typeface="Times New Roman" panose="02020603050405020304" pitchFamily="18" charset="0"/>
+              </a:rPr>
               <a:t> globális konfigurációs parancsot, az ábrán látható módon.</a:t>
             </a:r>
           </a:p>
           <a:p>
             <a:r>
-              <a:rPr lang="hu-HU" dirty="0"/>
+              <a:rPr lang="hu-HU" dirty="0">
+                <a:latin typeface="Times New Roman" panose="02020603050405020304" pitchFamily="18" charset="0"/>
+                <a:cs typeface="Times New Roman" panose="02020603050405020304" pitchFamily="18" charset="0"/>
+              </a:rPr>
               <a:t>A VTY-vonalak biztonságossá tételéhez lépjünk VTY-vonali módba a </a:t>
             </a:r>
             <a:r>
-              <a:rPr lang="hu-HU" b="1" dirty="0"/>
+              <a:rPr lang="hu-HU" b="1" dirty="0">
+                <a:latin typeface="Times New Roman" panose="02020603050405020304" pitchFamily="18" charset="0"/>
+                <a:cs typeface="Times New Roman" panose="02020603050405020304" pitchFamily="18" charset="0"/>
+              </a:rPr>
               <a:t>line </a:t>
             </a:r>
             <a:r>
-              <a:rPr lang="hu-HU" b="1" dirty="0" err="1"/>
+              <a:rPr lang="hu-HU" b="1" dirty="0" err="1">
+                <a:latin typeface="Times New Roman" panose="02020603050405020304" pitchFamily="18" charset="0"/>
+                <a:cs typeface="Times New Roman" panose="02020603050405020304" pitchFamily="18" charset="0"/>
+              </a:rPr>
               <a:t>vty</a:t>
             </a:r>
             <a:r>
-              <a:rPr lang="hu-HU" b="1" dirty="0"/>
+              <a:rPr lang="hu-HU" b="1" dirty="0">
+                <a:latin typeface="Times New Roman" panose="02020603050405020304" pitchFamily="18" charset="0"/>
+                <a:cs typeface="Times New Roman" panose="02020603050405020304" pitchFamily="18" charset="0"/>
+              </a:rPr>
               <a:t> 0 15</a:t>
             </a:r>
             <a:r>
-              <a:rPr lang="hu-HU" dirty="0"/>
+              <a:rPr lang="hu-HU" dirty="0">
+                <a:latin typeface="Times New Roman" panose="02020603050405020304" pitchFamily="18" charset="0"/>
+                <a:cs typeface="Times New Roman" panose="02020603050405020304" pitchFamily="18" charset="0"/>
+              </a:rPr>
               <a:t> globális konfigurációs paranccsal. Ezután pedig adjuk meg a VTY-jelszót a </a:t>
             </a:r>
             <a:r>
-              <a:rPr lang="hu-HU" b="1" dirty="0" err="1"/>
+              <a:rPr lang="hu-HU" b="1" dirty="0" err="1">
+                <a:latin typeface="Times New Roman" panose="02020603050405020304" pitchFamily="18" charset="0"/>
+                <a:cs typeface="Times New Roman" panose="02020603050405020304" pitchFamily="18" charset="0"/>
+              </a:rPr>
               <a:t>password</a:t>
             </a:r>
             <a:r>
-              <a:rPr lang="hu-HU" dirty="0"/>
+              <a:rPr lang="hu-HU" dirty="0">
+                <a:latin typeface="Times New Roman" panose="02020603050405020304" pitchFamily="18" charset="0"/>
+                <a:cs typeface="Times New Roman" panose="02020603050405020304" pitchFamily="18" charset="0"/>
+              </a:rPr>
               <a:t> </a:t>
             </a:r>
             <a:r>
-              <a:rPr lang="hu-HU" i="1" dirty="0"/>
+              <a:rPr lang="hu-HU" i="1" dirty="0">
+                <a:latin typeface="Times New Roman" panose="02020603050405020304" pitchFamily="18" charset="0"/>
+                <a:cs typeface="Times New Roman" panose="02020603050405020304" pitchFamily="18" charset="0"/>
+              </a:rPr>
               <a:t>jelszó</a:t>
             </a:r>
             <a:r>
-              <a:rPr lang="hu-HU" dirty="0"/>
+              <a:rPr lang="hu-HU" dirty="0">
+                <a:latin typeface="Times New Roman" panose="02020603050405020304" pitchFamily="18" charset="0"/>
+                <a:cs typeface="Times New Roman" panose="02020603050405020304" pitchFamily="18" charset="0"/>
+              </a:rPr>
               <a:t> parancs segítségével. Végül engedélyezzük a VTY-hozzáférést a </a:t>
             </a:r>
             <a:r>
-              <a:rPr lang="hu-HU" b="1" dirty="0"/>
+              <a:rPr lang="hu-HU" b="1" dirty="0">
+                <a:latin typeface="Times New Roman" panose="02020603050405020304" pitchFamily="18" charset="0"/>
+                <a:cs typeface="Times New Roman" panose="02020603050405020304" pitchFamily="18" charset="0"/>
+              </a:rPr>
               <a:t>login</a:t>
             </a:r>
             <a:r>
-              <a:rPr lang="hu-HU" dirty="0"/>
+              <a:rPr lang="hu-HU" dirty="0">
+                <a:latin typeface="Times New Roman" panose="02020603050405020304" pitchFamily="18" charset="0"/>
+                <a:cs typeface="Times New Roman" panose="02020603050405020304" pitchFamily="18" charset="0"/>
+              </a:rPr>
               <a:t> paranccsal.</a:t>
             </a:r>
           </a:p>
@@ -5907,17 +6034,25 @@
           </a:xfrm>
         </p:spPr>
         <p:txBody>
-          <a:bodyPr/>
-          <a:lstStyle/>
-          <a:p>
-            <a:r>
-              <a:rPr lang="hu-HU" dirty="0"/>
+          <a:bodyPr>
+            <a:normAutofit fontScale="90000"/>
+          </a:bodyPr>
+          <a:lstStyle/>
+          <a:p>
+            <a:r>
+              <a:rPr lang="hu-HU" dirty="0">
+                <a:latin typeface="Gill Sans Ultra Bold" panose="020B0A02020104020203" pitchFamily="34" charset="-18"/>
+              </a:rPr>
               <a:t>Manuális IP-cím konfiguráció</a:t>
             </a:r>
             <a:br>
-              <a:rPr lang="hu-HU" dirty="0"/>
+              <a:rPr lang="hu-HU" dirty="0">
+                <a:latin typeface="Gill Sans Ultra Bold" panose="020B0A02020104020203" pitchFamily="34" charset="-18"/>
+              </a:rPr>
             </a:br>
-            <a:endParaRPr lang="hu-HU" dirty="0"/>
+            <a:endParaRPr lang="hu-HU" dirty="0">
+              <a:latin typeface="Gill Sans Ultra Bold" panose="020B0A02020104020203" pitchFamily="34" charset="-18"/>
+            </a:endParaRPr>
           </a:p>
         </p:txBody>
       </p:sp>
@@ -5948,39 +6083,66 @@
           <a:lstStyle/>
           <a:p>
             <a:r>
-              <a:rPr lang="hu-HU" dirty="0"/>
+              <a:rPr lang="hu-HU" dirty="0">
+                <a:latin typeface="Times New Roman" panose="02020603050405020304" pitchFamily="18" charset="0"/>
+                <a:cs typeface="Times New Roman" panose="02020603050405020304" pitchFamily="18" charset="0"/>
+              </a:rPr>
               <a:t>Az IPv4-címeket megadhatjuk manuálisan az eszközön, vagy kaphatja automatikusan a </a:t>
             </a:r>
             <a:r>
-              <a:rPr lang="hu-HU" dirty="0" err="1"/>
+              <a:rPr lang="hu-HU" dirty="0" err="1">
+                <a:latin typeface="Times New Roman" panose="02020603050405020304" pitchFamily="18" charset="0"/>
+                <a:cs typeface="Times New Roman" panose="02020603050405020304" pitchFamily="18" charset="0"/>
+              </a:rPr>
               <a:t>Dynamic</a:t>
             </a:r>
             <a:r>
-              <a:rPr lang="hu-HU" dirty="0"/>
+              <a:rPr lang="hu-HU" dirty="0">
+                <a:latin typeface="Times New Roman" panose="02020603050405020304" pitchFamily="18" charset="0"/>
+                <a:cs typeface="Times New Roman" panose="02020603050405020304" pitchFamily="18" charset="0"/>
+              </a:rPr>
               <a:t> </a:t>
             </a:r>
             <a:r>
-              <a:rPr lang="hu-HU" dirty="0" err="1"/>
+              <a:rPr lang="hu-HU" dirty="0" err="1">
+                <a:latin typeface="Times New Roman" panose="02020603050405020304" pitchFamily="18" charset="0"/>
+                <a:cs typeface="Times New Roman" panose="02020603050405020304" pitchFamily="18" charset="0"/>
+              </a:rPr>
               <a:t>Host</a:t>
             </a:r>
             <a:r>
-              <a:rPr lang="hu-HU" dirty="0"/>
+              <a:rPr lang="hu-HU" dirty="0">
+                <a:latin typeface="Times New Roman" panose="02020603050405020304" pitchFamily="18" charset="0"/>
+                <a:cs typeface="Times New Roman" panose="02020603050405020304" pitchFamily="18" charset="0"/>
+              </a:rPr>
               <a:t> </a:t>
             </a:r>
             <a:r>
-              <a:rPr lang="hu-HU" dirty="0" err="1"/>
+              <a:rPr lang="hu-HU" dirty="0" err="1">
+                <a:latin typeface="Times New Roman" panose="02020603050405020304" pitchFamily="18" charset="0"/>
+                <a:cs typeface="Times New Roman" panose="02020603050405020304" pitchFamily="18" charset="0"/>
+              </a:rPr>
               <a:t>Configuration</a:t>
             </a:r>
             <a:r>
-              <a:rPr lang="hu-HU" dirty="0"/>
+              <a:rPr lang="hu-HU" dirty="0">
+                <a:latin typeface="Times New Roman" panose="02020603050405020304" pitchFamily="18" charset="0"/>
+                <a:cs typeface="Times New Roman" panose="02020603050405020304" pitchFamily="18" charset="0"/>
+              </a:rPr>
               <a:t> </a:t>
             </a:r>
             <a:r>
-              <a:rPr lang="hu-HU" dirty="0" err="1"/>
+              <a:rPr lang="hu-HU" dirty="0" err="1">
+                <a:latin typeface="Times New Roman" panose="02020603050405020304" pitchFamily="18" charset="0"/>
+                <a:cs typeface="Times New Roman" panose="02020603050405020304" pitchFamily="18" charset="0"/>
+              </a:rPr>
               <a:t>Protocol</a:t>
             </a:r>
             <a:r>
-              <a:rPr lang="hu-HU" dirty="0"/>
+              <a:rPr lang="hu-HU" dirty="0">
+                <a:latin typeface="Times New Roman" panose="02020603050405020304" pitchFamily="18" charset="0"/>
+                <a:cs typeface="Times New Roman" panose="02020603050405020304" pitchFamily="18" charset="0"/>
+              </a:rPr>
               <a:t> (DHCP) segítségével.</a:t>
             </a:r>
           </a:p>
@@ -6015,31 +6177,52 @@
           <a:lstStyle/>
           <a:p>
             <a:r>
-              <a:rPr lang="hu-HU" dirty="0"/>
+              <a:rPr lang="hu-HU" dirty="0">
+                <a:latin typeface="Times New Roman" panose="02020603050405020304" pitchFamily="18" charset="0"/>
+                <a:cs typeface="Times New Roman" panose="02020603050405020304" pitchFamily="18" charset="0"/>
+              </a:rPr>
               <a:t>Windows operációs rendszert futtató állomáson az IPv4-címet a </a:t>
             </a:r>
             <a:r>
-              <a:rPr lang="hu-HU" b="1" dirty="0"/>
+              <a:rPr lang="hu-HU" b="1" dirty="0">
+                <a:latin typeface="Times New Roman" panose="02020603050405020304" pitchFamily="18" charset="0"/>
+                <a:cs typeface="Times New Roman" panose="02020603050405020304" pitchFamily="18" charset="0"/>
+              </a:rPr>
               <a:t>Vezérlőpult &gt; Hálózati és megosztási központ &gt; Adapterbeállítások módosítása</a:t>
             </a:r>
             <a:r>
-              <a:rPr lang="hu-HU" dirty="0"/>
+              <a:rPr lang="hu-HU" dirty="0">
+                <a:latin typeface="Times New Roman" panose="02020603050405020304" pitchFamily="18" charset="0"/>
+                <a:cs typeface="Times New Roman" panose="02020603050405020304" pitchFamily="18" charset="0"/>
+              </a:rPr>
               <a:t> lehetőség alatt, az adapter kiválasztása után tudjuk beállítani. Ezután kattintsunk a jobb gombbal, és válasszuk a </a:t>
             </a:r>
             <a:r>
-              <a:rPr lang="hu-HU" b="1" dirty="0"/>
+              <a:rPr lang="hu-HU" b="1" dirty="0">
+                <a:latin typeface="Times New Roman" panose="02020603050405020304" pitchFamily="18" charset="0"/>
+                <a:cs typeface="Times New Roman" panose="02020603050405020304" pitchFamily="18" charset="0"/>
+              </a:rPr>
               <a:t>Tulajdonságok</a:t>
             </a:r>
             <a:r>
-              <a:rPr lang="hu-HU" dirty="0"/>
+              <a:rPr lang="hu-HU" dirty="0">
+                <a:latin typeface="Times New Roman" panose="02020603050405020304" pitchFamily="18" charset="0"/>
+                <a:cs typeface="Times New Roman" panose="02020603050405020304" pitchFamily="18" charset="0"/>
+              </a:rPr>
               <a:t> menüpontot a </a:t>
             </a:r>
             <a:r>
-              <a:rPr lang="hu-HU" b="1" dirty="0"/>
+              <a:rPr lang="hu-HU" b="1" dirty="0">
+                <a:latin typeface="Times New Roman" panose="02020603050405020304" pitchFamily="18" charset="0"/>
+                <a:cs typeface="Times New Roman" panose="02020603050405020304" pitchFamily="18" charset="0"/>
+              </a:rPr>
               <a:t>Helyi hálózati adapter tulajdonságai</a:t>
             </a:r>
             <a:r>
-              <a:rPr lang="hu-HU" dirty="0"/>
+              <a:rPr lang="hu-HU" dirty="0">
+                <a:latin typeface="Times New Roman" panose="02020603050405020304" pitchFamily="18" charset="0"/>
+                <a:cs typeface="Times New Roman" panose="02020603050405020304" pitchFamily="18" charset="0"/>
+              </a:rPr>
               <a:t> megnyitásához, ahogy az ábrán is látható.</a:t>
             </a:r>
           </a:p>
@@ -6079,6 +6262,1227 @@
     <p:extLst>
       <p:ext uri="{BB962C8B-B14F-4D97-AF65-F5344CB8AC3E}">
         <p14:creationId xmlns:p14="http://schemas.microsoft.com/office/powerpoint/2010/main" val="3995062800"/>
+      </p:ext>
+    </p:extLst>
+  </p:cSld>
+  <p:clrMapOvr>
+    <a:masterClrMapping/>
+  </p:clrMapOvr>
+</p:sld>
+</file>
+
+<file path=ppt/slides/slide21.xml><?xml version="1.0" encoding="utf-8"?>
+<p:sld xmlns:a="http://schemas.openxmlformats.org/drawingml/2006/main" xmlns:r="http://schemas.openxmlformats.org/officeDocument/2006/relationships" xmlns:p="http://schemas.openxmlformats.org/presentationml/2006/main">
+  <p:cSld>
+    <p:spTree>
+      <p:nvGrpSpPr>
+        <p:cNvPr id="1" name=""/>
+        <p:cNvGrpSpPr/>
+        <p:nvPr/>
+      </p:nvGrpSpPr>
+      <p:grpSpPr>
+        <a:xfrm>
+          <a:off x="0" y="0"/>
+          <a:ext cx="0" cy="0"/>
+          <a:chOff x="0" y="0"/>
+          <a:chExt cx="0" cy="0"/>
+        </a:xfrm>
+      </p:grpSpPr>
+      <p:sp>
+        <p:nvSpPr>
+          <p:cNvPr id="2" name="Cím 1">
+            <a:extLst>
+              <a:ext uri="{FF2B5EF4-FFF2-40B4-BE49-F238E27FC236}">
+                <a16:creationId xmlns:a16="http://schemas.microsoft.com/office/drawing/2014/main" id="{B6219BED-8C46-4FDB-B771-E677E7868AC6}"/>
+              </a:ext>
+            </a:extLst>
+          </p:cNvPr>
+          <p:cNvSpPr>
+            <a:spLocks noGrp="1"/>
+          </p:cNvSpPr>
+          <p:nvPr>
+            <p:ph type="title"/>
+          </p:nvPr>
+        </p:nvSpPr>
+        <p:spPr>
+          <a:xfrm>
+            <a:off x="2231136" y="129805"/>
+            <a:ext cx="7729728" cy="1188720"/>
+          </a:xfrm>
+        </p:spPr>
+        <p:txBody>
+          <a:bodyPr/>
+          <a:lstStyle/>
+          <a:p>
+            <a:r>
+              <a:rPr lang="hu-HU" dirty="0">
+                <a:latin typeface="Gill Sans Ultra Bold" panose="020B0A02020104020203" pitchFamily="34" charset="-18"/>
+              </a:rPr>
+              <a:t>Kommunikációs alapok</a:t>
+            </a:r>
+          </a:p>
+        </p:txBody>
+      </p:sp>
+      <p:sp>
+        <p:nvSpPr>
+          <p:cNvPr id="3" name="Tartalom helye 2">
+            <a:extLst>
+              <a:ext uri="{FF2B5EF4-FFF2-40B4-BE49-F238E27FC236}">
+                <a16:creationId xmlns:a16="http://schemas.microsoft.com/office/drawing/2014/main" id="{DBB6F00A-258F-4CFF-B204-FA237E8C1C43}"/>
+              </a:ext>
+            </a:extLst>
+          </p:cNvPr>
+          <p:cNvSpPr>
+            <a:spLocks noGrp="1"/>
+          </p:cNvSpPr>
+          <p:nvPr>
+            <p:ph idx="1"/>
+          </p:nvPr>
+        </p:nvSpPr>
+        <p:spPr>
+          <a:xfrm>
+            <a:off x="0" y="1318525"/>
+            <a:ext cx="7729728" cy="5409670"/>
+          </a:xfrm>
+        </p:spPr>
+        <p:txBody>
+          <a:bodyPr>
+            <a:normAutofit/>
+          </a:bodyPr>
+          <a:lstStyle/>
+          <a:p>
+            <a:r>
+              <a:rPr lang="hu-HU" b="1" dirty="0">
+                <a:latin typeface="Times New Roman" panose="02020603050405020304" pitchFamily="18" charset="0"/>
+                <a:ea typeface="Tahoma" panose="020B0604030504040204" pitchFamily="34" charset="0"/>
+                <a:cs typeface="Times New Roman" panose="02020603050405020304" pitchFamily="18" charset="0"/>
+              </a:rPr>
+              <a:t>Az üzenet forrása (küldő, feladó)</a:t>
+            </a:r>
+            <a:r>
+              <a:rPr lang="hu-HU" dirty="0">
+                <a:latin typeface="Times New Roman" panose="02020603050405020304" pitchFamily="18" charset="0"/>
+                <a:ea typeface="Tahoma" panose="020B0604030504040204" pitchFamily="34" charset="0"/>
+                <a:cs typeface="Times New Roman" panose="02020603050405020304" pitchFamily="18" charset="0"/>
+              </a:rPr>
+              <a:t> - Az üzenetek forrásai emberek vagy elektronikus eszközök, amelyeknek üzenetet kell küldeniük más személyeknek vagy eszközöknek.</a:t>
+            </a:r>
+          </a:p>
+          <a:p>
+            <a:r>
+              <a:rPr lang="hu-HU" b="1" dirty="0">
+                <a:latin typeface="Times New Roman" panose="02020603050405020304" pitchFamily="18" charset="0"/>
+                <a:ea typeface="Tahoma" panose="020B0604030504040204" pitchFamily="34" charset="0"/>
+                <a:cs typeface="Times New Roman" panose="02020603050405020304" pitchFamily="18" charset="0"/>
+              </a:rPr>
+              <a:t>﻿Az üzenet célja (címzett, fogadó)</a:t>
+            </a:r>
+            <a:r>
+              <a:rPr lang="hu-HU" dirty="0">
+                <a:latin typeface="Times New Roman" panose="02020603050405020304" pitchFamily="18" charset="0"/>
+                <a:ea typeface="Tahoma" panose="020B0604030504040204" pitchFamily="34" charset="0"/>
+                <a:cs typeface="Times New Roman" panose="02020603050405020304" pitchFamily="18" charset="0"/>
+              </a:rPr>
+              <a:t> \- A célállomás fogadja és értelmezi az üzenetet.</a:t>
+            </a:r>
+          </a:p>
+          <a:p>
+            <a:r>
+              <a:rPr lang="hu-HU" b="1" dirty="0">
+                <a:latin typeface="Times New Roman" panose="02020603050405020304" pitchFamily="18" charset="0"/>
+                <a:ea typeface="Tahoma" panose="020B0604030504040204" pitchFamily="34" charset="0"/>
+                <a:cs typeface="Times New Roman" panose="02020603050405020304" pitchFamily="18" charset="0"/>
+              </a:rPr>
+              <a:t>Csatorna</a:t>
+            </a:r>
+            <a:r>
+              <a:rPr lang="hu-HU" dirty="0">
+                <a:latin typeface="Times New Roman" panose="02020603050405020304" pitchFamily="18" charset="0"/>
+                <a:ea typeface="Tahoma" panose="020B0604030504040204" pitchFamily="34" charset="0"/>
+                <a:cs typeface="Times New Roman" panose="02020603050405020304" pitchFamily="18" charset="0"/>
+              </a:rPr>
+              <a:t> - Az a közeg (média) alkotja, amely azt az utat biztosítja, amelyen az üzenetek haladnak a forrástól a célig.</a:t>
+            </a:r>
+          </a:p>
+          <a:p>
+            <a:pPr marL="0" indent="0">
+              <a:buNone/>
+            </a:pPr>
+            <a:r>
+              <a:rPr lang="hu-HU" dirty="0">
+                <a:latin typeface="Times New Roman" panose="02020603050405020304" pitchFamily="18" charset="0"/>
+                <a:cs typeface="Times New Roman" panose="02020603050405020304" pitchFamily="18" charset="0"/>
+              </a:rPr>
+              <a:t>Egy üzenet küldését, legyen az szemtől szembe vagy hálózaton keresztüli kommunikáció, szabályok irányítják, amiket </a:t>
+            </a:r>
+            <a:r>
+              <a:rPr lang="hu-HU" b="1" dirty="0">
+                <a:latin typeface="Times New Roman" panose="02020603050405020304" pitchFamily="18" charset="0"/>
+                <a:cs typeface="Times New Roman" panose="02020603050405020304" pitchFamily="18" charset="0"/>
+              </a:rPr>
+              <a:t>protokolloknak</a:t>
+            </a:r>
+            <a:r>
+              <a:rPr lang="hu-HU" dirty="0">
+                <a:latin typeface="Times New Roman" panose="02020603050405020304" pitchFamily="18" charset="0"/>
+                <a:cs typeface="Times New Roman" panose="02020603050405020304" pitchFamily="18" charset="0"/>
+              </a:rPr>
+              <a:t> nevezünk. Ezek a protokollok a használt kommunikációs módtól </a:t>
+            </a:r>
+            <a:r>
+              <a:rPr lang="hu-HU" dirty="0" err="1">
+                <a:latin typeface="Times New Roman" panose="02020603050405020304" pitchFamily="18" charset="0"/>
+                <a:cs typeface="Times New Roman" panose="02020603050405020304" pitchFamily="18" charset="0"/>
+              </a:rPr>
+              <a:t>függnek</a:t>
+            </a:r>
+            <a:r>
+              <a:rPr lang="hu-HU" dirty="0">
+                <a:latin typeface="Times New Roman" panose="02020603050405020304" pitchFamily="18" charset="0"/>
+                <a:cs typeface="Times New Roman" panose="02020603050405020304" pitchFamily="18" charset="0"/>
+              </a:rPr>
+              <a:t>. A hétköznapi személyes kommunikációnkban azok a szabályok, amelyeket egy adott közegben használunk.</a:t>
+            </a:r>
+            <a:endParaRPr lang="hu-HU" dirty="0">
+              <a:latin typeface="Times New Roman" panose="02020603050405020304" pitchFamily="18" charset="0"/>
+              <a:ea typeface="Tahoma" panose="020B0604030504040204" pitchFamily="34" charset="0"/>
+              <a:cs typeface="Times New Roman" panose="02020603050405020304" pitchFamily="18" charset="0"/>
+            </a:endParaRPr>
+          </a:p>
+        </p:txBody>
+      </p:sp>
+    </p:spTree>
+    <p:extLst>
+      <p:ext uri="{BB962C8B-B14F-4D97-AF65-F5344CB8AC3E}">
+        <p14:creationId xmlns:p14="http://schemas.microsoft.com/office/powerpoint/2010/main" val="1016016392"/>
+      </p:ext>
+    </p:extLst>
+  </p:cSld>
+  <p:clrMapOvr>
+    <a:masterClrMapping/>
+  </p:clrMapOvr>
+</p:sld>
+</file>
+
+<file path=ppt/slides/slide22.xml><?xml version="1.0" encoding="utf-8"?>
+<p:sld xmlns:a="http://schemas.openxmlformats.org/drawingml/2006/main" xmlns:r="http://schemas.openxmlformats.org/officeDocument/2006/relationships" xmlns:p="http://schemas.openxmlformats.org/presentationml/2006/main">
+  <p:cSld>
+    <p:spTree>
+      <p:nvGrpSpPr>
+        <p:cNvPr id="1" name=""/>
+        <p:cNvGrpSpPr/>
+        <p:nvPr/>
+      </p:nvGrpSpPr>
+      <p:grpSpPr>
+        <a:xfrm>
+          <a:off x="0" y="0"/>
+          <a:ext cx="0" cy="0"/>
+          <a:chOff x="0" y="0"/>
+          <a:chExt cx="0" cy="0"/>
+        </a:xfrm>
+      </p:grpSpPr>
+      <p:sp>
+        <p:nvSpPr>
+          <p:cNvPr id="2" name="Cím 1">
+            <a:extLst>
+              <a:ext uri="{FF2B5EF4-FFF2-40B4-BE49-F238E27FC236}">
+                <a16:creationId xmlns:a16="http://schemas.microsoft.com/office/drawing/2014/main" id="{00ED4577-7CF9-4707-8BF4-C9C90C2F204A}"/>
+              </a:ext>
+            </a:extLst>
+          </p:cNvPr>
+          <p:cNvSpPr>
+            <a:spLocks noGrp="1"/>
+          </p:cNvSpPr>
+          <p:nvPr>
+            <p:ph type="title"/>
+          </p:nvPr>
+        </p:nvSpPr>
+        <p:spPr>
+          <a:xfrm>
+            <a:off x="2231136" y="209318"/>
+            <a:ext cx="7729728" cy="1188720"/>
+          </a:xfrm>
+        </p:spPr>
+        <p:txBody>
+          <a:bodyPr/>
+          <a:lstStyle/>
+          <a:p>
+            <a:r>
+              <a:rPr lang="hu-HU" dirty="0">
+                <a:latin typeface="Gill Sans Ultra Bold" panose="020B0A02020104020203" pitchFamily="34" charset="-18"/>
+              </a:rPr>
+              <a:t>Kommunikációs protokollok</a:t>
+            </a:r>
+          </a:p>
+        </p:txBody>
+      </p:sp>
+      <p:sp>
+        <p:nvSpPr>
+          <p:cNvPr id="3" name="Tartalom helye 2">
+            <a:extLst>
+              <a:ext uri="{FF2B5EF4-FFF2-40B4-BE49-F238E27FC236}">
+                <a16:creationId xmlns:a16="http://schemas.microsoft.com/office/drawing/2014/main" id="{0CD0F9D2-1B13-41D8-88F6-981CE65C262A}"/>
+              </a:ext>
+            </a:extLst>
+          </p:cNvPr>
+          <p:cNvSpPr>
+            <a:spLocks noGrp="1"/>
+          </p:cNvSpPr>
+          <p:nvPr>
+            <p:ph idx="1"/>
+          </p:nvPr>
+        </p:nvSpPr>
+        <p:spPr>
+          <a:xfrm>
+            <a:off x="0" y="1311833"/>
+            <a:ext cx="7729728" cy="5599110"/>
+          </a:xfrm>
+        </p:spPr>
+        <p:txBody>
+          <a:bodyPr>
+            <a:normAutofit/>
+          </a:bodyPr>
+          <a:lstStyle/>
+          <a:p>
+            <a:pPr marL="0" indent="0">
+              <a:buNone/>
+            </a:pPr>
+            <a:r>
+              <a:rPr lang="hu-HU" dirty="0">
+                <a:latin typeface="Times New Roman" panose="02020603050405020304" pitchFamily="18" charset="0"/>
+                <a:cs typeface="Times New Roman" panose="02020603050405020304" pitchFamily="18" charset="0"/>
+              </a:rPr>
+              <a:t>A hálózati kommunikációban használt protokollok sok ilyen alapvető tulajdonsággal rendelkeznek. Amellett, hogy azonosítják a forrást és a célt, a számítógépes és hálózati protokollok meghatározzák annak részleteit, hogyan kell egy üzenetet továbbítani a hálózaton keresztül. A leggyakoribb számítógépes protokollok a következő követelményeket teljesítik:</a:t>
+            </a:r>
+          </a:p>
+          <a:p>
+            <a:r>
+              <a:rPr lang="hu-HU" b="1" dirty="0">
+                <a:latin typeface="Times New Roman" panose="02020603050405020304" pitchFamily="18" charset="0"/>
+                <a:cs typeface="Times New Roman" panose="02020603050405020304" pitchFamily="18" charset="0"/>
+              </a:rPr>
+              <a:t>Az üzenet kódolása</a:t>
+            </a:r>
+          </a:p>
+          <a:p>
+            <a:r>
+              <a:rPr lang="hu-HU" b="1" dirty="0">
+                <a:latin typeface="Times New Roman" panose="02020603050405020304" pitchFamily="18" charset="0"/>
+                <a:cs typeface="Times New Roman" panose="02020603050405020304" pitchFamily="18" charset="0"/>
+              </a:rPr>
+              <a:t>Az üzenet formázása és beágyazása</a:t>
+            </a:r>
+          </a:p>
+          <a:p>
+            <a:r>
+              <a:rPr lang="hu-HU" b="1" dirty="0">
+                <a:latin typeface="Times New Roman" panose="02020603050405020304" pitchFamily="18" charset="0"/>
+                <a:cs typeface="Times New Roman" panose="02020603050405020304" pitchFamily="18" charset="0"/>
+              </a:rPr>
+              <a:t>Az üzenet mérete</a:t>
+            </a:r>
+          </a:p>
+          <a:p>
+            <a:r>
+              <a:rPr lang="hu-HU" b="1" dirty="0">
+                <a:latin typeface="Times New Roman" panose="02020603050405020304" pitchFamily="18" charset="0"/>
+                <a:cs typeface="Times New Roman" panose="02020603050405020304" pitchFamily="18" charset="0"/>
+              </a:rPr>
+              <a:t>Az üzenet időzítése</a:t>
+            </a:r>
+          </a:p>
+          <a:p>
+            <a:r>
+              <a:rPr lang="hu-HU" b="1" dirty="0">
+                <a:latin typeface="Times New Roman" panose="02020603050405020304" pitchFamily="18" charset="0"/>
+                <a:cs typeface="Times New Roman" panose="02020603050405020304" pitchFamily="18" charset="0"/>
+              </a:rPr>
+              <a:t>Az üzenet szállítási feltételei</a:t>
+            </a:r>
+          </a:p>
+          <a:p>
+            <a:endParaRPr lang="hu-HU" dirty="0">
+              <a:latin typeface="Times New Roman" panose="02020603050405020304" pitchFamily="18" charset="0"/>
+              <a:cs typeface="Times New Roman" panose="02020603050405020304" pitchFamily="18" charset="0"/>
+            </a:endParaRPr>
+          </a:p>
+        </p:txBody>
+      </p:sp>
+    </p:spTree>
+    <p:extLst>
+      <p:ext uri="{BB962C8B-B14F-4D97-AF65-F5344CB8AC3E}">
+        <p14:creationId xmlns:p14="http://schemas.microsoft.com/office/powerpoint/2010/main" val="1394512055"/>
+      </p:ext>
+    </p:extLst>
+  </p:cSld>
+  <p:clrMapOvr>
+    <a:masterClrMapping/>
+  </p:clrMapOvr>
+</p:sld>
+</file>
+
+<file path=ppt/slides/slide23.xml><?xml version="1.0" encoding="utf-8"?>
+<p:sld xmlns:a="http://schemas.openxmlformats.org/drawingml/2006/main" xmlns:r="http://schemas.openxmlformats.org/officeDocument/2006/relationships" xmlns:p="http://schemas.openxmlformats.org/presentationml/2006/main">
+  <p:cSld>
+    <p:spTree>
+      <p:nvGrpSpPr>
+        <p:cNvPr id="1" name=""/>
+        <p:cNvGrpSpPr/>
+        <p:nvPr/>
+      </p:nvGrpSpPr>
+      <p:grpSpPr>
+        <a:xfrm>
+          <a:off x="0" y="0"/>
+          <a:ext cx="0" cy="0"/>
+          <a:chOff x="0" y="0"/>
+          <a:chExt cx="0" cy="0"/>
+        </a:xfrm>
+      </p:grpSpPr>
+      <p:sp>
+        <p:nvSpPr>
+          <p:cNvPr id="2" name="Cím 1">
+            <a:extLst>
+              <a:ext uri="{FF2B5EF4-FFF2-40B4-BE49-F238E27FC236}">
+                <a16:creationId xmlns:a16="http://schemas.microsoft.com/office/drawing/2014/main" id="{46054694-B153-4C8E-BF75-F5C74A421318}"/>
+              </a:ext>
+            </a:extLst>
+          </p:cNvPr>
+          <p:cNvSpPr>
+            <a:spLocks noGrp="1"/>
+          </p:cNvSpPr>
+          <p:nvPr>
+            <p:ph type="title"/>
+          </p:nvPr>
+        </p:nvSpPr>
+        <p:spPr>
+          <a:xfrm>
+            <a:off x="2231136" y="169562"/>
+            <a:ext cx="7729728" cy="1188720"/>
+          </a:xfrm>
+        </p:spPr>
+        <p:txBody>
+          <a:bodyPr/>
+          <a:lstStyle/>
+          <a:p>
+            <a:r>
+              <a:rPr lang="hu-HU" dirty="0">
+                <a:latin typeface="Gill Sans Ultra Bold" panose="020B0A02020104020203" pitchFamily="34" charset="-18"/>
+              </a:rPr>
+              <a:t>Üzenet kódolása</a:t>
+            </a:r>
+          </a:p>
+        </p:txBody>
+      </p:sp>
+      <p:sp>
+        <p:nvSpPr>
+          <p:cNvPr id="3" name="Tartalom helye 2">
+            <a:extLst>
+              <a:ext uri="{FF2B5EF4-FFF2-40B4-BE49-F238E27FC236}">
+                <a16:creationId xmlns:a16="http://schemas.microsoft.com/office/drawing/2014/main" id="{C47C437B-9D7F-4862-8D44-65B1E16B6BD1}"/>
+              </a:ext>
+            </a:extLst>
+          </p:cNvPr>
+          <p:cNvSpPr>
+            <a:spLocks noGrp="1"/>
+          </p:cNvSpPr>
+          <p:nvPr>
+            <p:ph idx="1"/>
+          </p:nvPr>
+        </p:nvSpPr>
+        <p:spPr>
+          <a:xfrm>
+            <a:off x="0" y="1451047"/>
+            <a:ext cx="7729728" cy="5499718"/>
+          </a:xfrm>
+        </p:spPr>
+        <p:txBody>
+          <a:bodyPr/>
+          <a:lstStyle/>
+          <a:p>
+            <a:pPr marL="0" indent="0">
+              <a:buNone/>
+            </a:pPr>
+            <a:r>
+              <a:rPr lang="hu-HU" dirty="0">
+                <a:latin typeface="Times New Roman" panose="02020603050405020304" pitchFamily="18" charset="0"/>
+                <a:cs typeface="Times New Roman" panose="02020603050405020304" pitchFamily="18" charset="0"/>
+              </a:rPr>
+              <a:t>Egy üzenet elküldésének egyik első lépése a kódolás. A kódolás az, amikor egy információt egy másik, a továbbításhoz megfelelő formába alakítunk át. A dekódolás ennek a fordítottja.</a:t>
+            </a:r>
+          </a:p>
+          <a:p>
+            <a:pPr marL="0" indent="0">
+              <a:buNone/>
+            </a:pPr>
+            <a:r>
+              <a:rPr lang="hu-HU" dirty="0">
+                <a:latin typeface="Times New Roman" panose="02020603050405020304" pitchFamily="18" charset="0"/>
+                <a:cs typeface="Times New Roman" panose="02020603050405020304" pitchFamily="18" charset="0"/>
+              </a:rPr>
+              <a:t>Az állomások közti kódolásnak a közeghez kell alkalmazkodnia. A hálózaton küldött üzenetet a küldő állomás először bitekké konvertálja. A célállomás megkapja és dekódolja a jeleket, hogy megértse az üzenetet.</a:t>
+            </a:r>
+          </a:p>
+        </p:txBody>
+      </p:sp>
+    </p:spTree>
+    <p:extLst>
+      <p:ext uri="{BB962C8B-B14F-4D97-AF65-F5344CB8AC3E}">
+        <p14:creationId xmlns:p14="http://schemas.microsoft.com/office/powerpoint/2010/main" val="1632095777"/>
+      </p:ext>
+    </p:extLst>
+  </p:cSld>
+  <p:clrMapOvr>
+    <a:masterClrMapping/>
+  </p:clrMapOvr>
+</p:sld>
+</file>
+
+<file path=ppt/slides/slide24.xml><?xml version="1.0" encoding="utf-8"?>
+<p:sld xmlns:a="http://schemas.openxmlformats.org/drawingml/2006/main" xmlns:r="http://schemas.openxmlformats.org/officeDocument/2006/relationships" xmlns:p="http://schemas.openxmlformats.org/presentationml/2006/main">
+  <p:cSld>
+    <p:spTree>
+      <p:nvGrpSpPr>
+        <p:cNvPr id="1" name=""/>
+        <p:cNvGrpSpPr/>
+        <p:nvPr/>
+      </p:nvGrpSpPr>
+      <p:grpSpPr>
+        <a:xfrm>
+          <a:off x="0" y="0"/>
+          <a:ext cx="0" cy="0"/>
+          <a:chOff x="0" y="0"/>
+          <a:chExt cx="0" cy="0"/>
+        </a:xfrm>
+      </p:grpSpPr>
+      <p:sp>
+        <p:nvSpPr>
+          <p:cNvPr id="2" name="Cím 1">
+            <a:extLst>
+              <a:ext uri="{FF2B5EF4-FFF2-40B4-BE49-F238E27FC236}">
+                <a16:creationId xmlns:a16="http://schemas.microsoft.com/office/drawing/2014/main" id="{4984FD7A-26D1-4AA7-8E38-14DF4C51148C}"/>
+              </a:ext>
+            </a:extLst>
+          </p:cNvPr>
+          <p:cNvSpPr>
+            <a:spLocks noGrp="1"/>
+          </p:cNvSpPr>
+          <p:nvPr>
+            <p:ph type="title"/>
+          </p:nvPr>
+        </p:nvSpPr>
+        <p:spPr>
+          <a:xfrm>
+            <a:off x="2231136" y="275578"/>
+            <a:ext cx="7729728" cy="1188720"/>
+          </a:xfrm>
+        </p:spPr>
+        <p:txBody>
+          <a:bodyPr/>
+          <a:lstStyle/>
+          <a:p>
+            <a:r>
+              <a:rPr lang="hu-HU" dirty="0">
+                <a:latin typeface="Gill Sans Ultra Bold" panose="020B0A02020104020203" pitchFamily="34" charset="-18"/>
+              </a:rPr>
+              <a:t>Üzenet szállítás</a:t>
+            </a:r>
+          </a:p>
+        </p:txBody>
+      </p:sp>
+      <p:sp>
+        <p:nvSpPr>
+          <p:cNvPr id="3" name="Tartalom helye 2">
+            <a:extLst>
+              <a:ext uri="{FF2B5EF4-FFF2-40B4-BE49-F238E27FC236}">
+                <a16:creationId xmlns:a16="http://schemas.microsoft.com/office/drawing/2014/main" id="{D4EA13B3-295F-4E99-A2E7-AE9D1F04C707}"/>
+              </a:ext>
+            </a:extLst>
+          </p:cNvPr>
+          <p:cNvSpPr>
+            <a:spLocks noGrp="1"/>
+          </p:cNvSpPr>
+          <p:nvPr>
+            <p:ph idx="1"/>
+          </p:nvPr>
+        </p:nvSpPr>
+        <p:spPr>
+          <a:xfrm>
+            <a:off x="0" y="1464298"/>
+            <a:ext cx="6864626" cy="3929337"/>
+          </a:xfrm>
+        </p:spPr>
+        <p:txBody>
+          <a:bodyPr/>
+          <a:lstStyle/>
+          <a:p>
+            <a:pPr marL="0" indent="0">
+              <a:buNone/>
+            </a:pPr>
+            <a:r>
+              <a:rPr lang="hu-HU" dirty="0">
+                <a:latin typeface="Times New Roman" panose="02020603050405020304" pitchFamily="18" charset="0"/>
+                <a:cs typeface="Times New Roman" panose="02020603050405020304" pitchFamily="18" charset="0"/>
+              </a:rPr>
+              <a:t>A hálózati kommunikációnak hasonló kézbesítési lehetőségei vannak. Háromféle adatkommunikációt szoktunk megkülönböztetni:</a:t>
+            </a:r>
+          </a:p>
+          <a:p>
+            <a:r>
+              <a:rPr lang="hu-HU" b="1" dirty="0" err="1">
+                <a:latin typeface="Times New Roman" panose="02020603050405020304" pitchFamily="18" charset="0"/>
+                <a:cs typeface="Times New Roman" panose="02020603050405020304" pitchFamily="18" charset="0"/>
+              </a:rPr>
+              <a:t>Unicast</a:t>
+            </a:r>
+            <a:r>
+              <a:rPr lang="hu-HU" b="1" dirty="0">
+                <a:latin typeface="Times New Roman" panose="02020603050405020304" pitchFamily="18" charset="0"/>
+                <a:cs typeface="Times New Roman" panose="02020603050405020304" pitchFamily="18" charset="0"/>
+              </a:rPr>
+              <a:t> (egyedi üzenet)</a:t>
+            </a:r>
+            <a:r>
+              <a:rPr lang="hu-HU" dirty="0">
+                <a:latin typeface="Times New Roman" panose="02020603050405020304" pitchFamily="18" charset="0"/>
+                <a:cs typeface="Times New Roman" panose="02020603050405020304" pitchFamily="18" charset="0"/>
+              </a:rPr>
+              <a:t> - Az információt egyetlen eszköz kapja meg.</a:t>
+            </a:r>
+          </a:p>
+          <a:p>
+            <a:r>
+              <a:rPr lang="hu-HU" b="1" dirty="0" err="1">
+                <a:latin typeface="Times New Roman" panose="02020603050405020304" pitchFamily="18" charset="0"/>
+                <a:cs typeface="Times New Roman" panose="02020603050405020304" pitchFamily="18" charset="0"/>
+              </a:rPr>
+              <a:t>Multicast</a:t>
+            </a:r>
+            <a:r>
+              <a:rPr lang="hu-HU" b="1" dirty="0">
+                <a:latin typeface="Times New Roman" panose="02020603050405020304" pitchFamily="18" charset="0"/>
+                <a:cs typeface="Times New Roman" panose="02020603050405020304" pitchFamily="18" charset="0"/>
+              </a:rPr>
+              <a:t> (csoportos üzenet)</a:t>
+            </a:r>
+            <a:r>
+              <a:rPr lang="hu-HU" dirty="0">
+                <a:latin typeface="Times New Roman" panose="02020603050405020304" pitchFamily="18" charset="0"/>
+                <a:cs typeface="Times New Roman" panose="02020603050405020304" pitchFamily="18" charset="0"/>
+              </a:rPr>
+              <a:t> - Az információt egy vagy több eszközre továbbítják.</a:t>
+            </a:r>
+          </a:p>
+          <a:p>
+            <a:r>
+              <a:rPr lang="hu-HU" b="1" dirty="0" err="1">
+                <a:latin typeface="Times New Roman" panose="02020603050405020304" pitchFamily="18" charset="0"/>
+                <a:cs typeface="Times New Roman" panose="02020603050405020304" pitchFamily="18" charset="0"/>
+              </a:rPr>
+              <a:t>Broadcast</a:t>
+            </a:r>
+            <a:r>
+              <a:rPr lang="hu-HU" b="1" dirty="0">
+                <a:latin typeface="Times New Roman" panose="02020603050405020304" pitchFamily="18" charset="0"/>
+                <a:cs typeface="Times New Roman" panose="02020603050405020304" pitchFamily="18" charset="0"/>
+              </a:rPr>
+              <a:t> (szórás)</a:t>
+            </a:r>
+            <a:r>
+              <a:rPr lang="hu-HU" dirty="0">
+                <a:latin typeface="Times New Roman" panose="02020603050405020304" pitchFamily="18" charset="0"/>
+                <a:cs typeface="Times New Roman" panose="02020603050405020304" pitchFamily="18" charset="0"/>
+              </a:rPr>
+              <a:t> - Az információt mindenki megkapja</a:t>
+            </a:r>
+          </a:p>
+          <a:p>
+            <a:endParaRPr lang="hu-HU" dirty="0">
+              <a:latin typeface="Times New Roman" panose="02020603050405020304" pitchFamily="18" charset="0"/>
+              <a:cs typeface="Times New Roman" panose="02020603050405020304" pitchFamily="18" charset="0"/>
+            </a:endParaRPr>
+          </a:p>
+        </p:txBody>
+      </p:sp>
+      <p:pic>
+        <p:nvPicPr>
+          <p:cNvPr id="4" name="Kép 3">
+            <a:extLst>
+              <a:ext uri="{FF2B5EF4-FFF2-40B4-BE49-F238E27FC236}">
+                <a16:creationId xmlns:a16="http://schemas.microsoft.com/office/drawing/2014/main" id="{77C576EC-CD4D-4119-99CD-2E691FF48C89}"/>
+              </a:ext>
+            </a:extLst>
+          </p:cNvPr>
+          <p:cNvPicPr>
+            <a:picLocks noChangeAspect="1"/>
+          </p:cNvPicPr>
+          <p:nvPr/>
+        </p:nvPicPr>
+        <p:blipFill>
+          <a:blip r:embed="rId2"/>
+          <a:stretch>
+            <a:fillRect/>
+          </a:stretch>
+        </p:blipFill>
+        <p:spPr>
+          <a:xfrm>
+            <a:off x="6864626" y="1603628"/>
+            <a:ext cx="4796013" cy="3579115"/>
+          </a:xfrm>
+          <a:prstGeom prst="rect">
+            <a:avLst/>
+          </a:prstGeom>
+        </p:spPr>
+      </p:pic>
+    </p:spTree>
+    <p:extLst>
+      <p:ext uri="{BB962C8B-B14F-4D97-AF65-F5344CB8AC3E}">
+        <p14:creationId xmlns:p14="http://schemas.microsoft.com/office/powerpoint/2010/main" val="3919115687"/>
+      </p:ext>
+    </p:extLst>
+  </p:cSld>
+  <p:clrMapOvr>
+    <a:masterClrMapping/>
+  </p:clrMapOvr>
+</p:sld>
+</file>
+
+<file path=ppt/slides/slide25.xml><?xml version="1.0" encoding="utf-8"?>
+<p:sld xmlns:a="http://schemas.openxmlformats.org/drawingml/2006/main" xmlns:r="http://schemas.openxmlformats.org/officeDocument/2006/relationships" xmlns:p="http://schemas.openxmlformats.org/presentationml/2006/main">
+  <p:cSld>
+    <p:spTree>
+      <p:nvGrpSpPr>
+        <p:cNvPr id="1" name=""/>
+        <p:cNvGrpSpPr/>
+        <p:nvPr/>
+      </p:nvGrpSpPr>
+      <p:grpSpPr>
+        <a:xfrm>
+          <a:off x="0" y="0"/>
+          <a:ext cx="0" cy="0"/>
+          <a:chOff x="0" y="0"/>
+          <a:chExt cx="0" cy="0"/>
+        </a:xfrm>
+      </p:grpSpPr>
+      <p:sp>
+        <p:nvSpPr>
+          <p:cNvPr id="2" name="Cím 1">
+            <a:extLst>
+              <a:ext uri="{FF2B5EF4-FFF2-40B4-BE49-F238E27FC236}">
+                <a16:creationId xmlns:a16="http://schemas.microsoft.com/office/drawing/2014/main" id="{14F6B66E-1864-4ABC-A3AD-76B2C3257180}"/>
+              </a:ext>
+            </a:extLst>
+          </p:cNvPr>
+          <p:cNvSpPr>
+            <a:spLocks noGrp="1"/>
+          </p:cNvSpPr>
+          <p:nvPr>
+            <p:ph type="title"/>
+          </p:nvPr>
+        </p:nvSpPr>
+        <p:spPr>
+          <a:xfrm>
+            <a:off x="2231136" y="0"/>
+            <a:ext cx="7729728" cy="1188720"/>
+          </a:xfrm>
+        </p:spPr>
+        <p:txBody>
+          <a:bodyPr/>
+          <a:lstStyle/>
+          <a:p>
+            <a:r>
+              <a:rPr lang="hu-HU" dirty="0" err="1">
+                <a:latin typeface="Gill Sans Ultra Bold" panose="020B0A02020104020203" pitchFamily="34" charset="-18"/>
+              </a:rPr>
+              <a:t>Osi</a:t>
+            </a:r>
+            <a:r>
+              <a:rPr lang="hu-HU" dirty="0">
+                <a:latin typeface="Gill Sans Ultra Bold" panose="020B0A02020104020203" pitchFamily="34" charset="-18"/>
+              </a:rPr>
+              <a:t> modell</a:t>
+            </a:r>
+          </a:p>
+        </p:txBody>
+      </p:sp>
+      <p:pic>
+        <p:nvPicPr>
+          <p:cNvPr id="4" name="Tartalom helye 3">
+            <a:extLst>
+              <a:ext uri="{FF2B5EF4-FFF2-40B4-BE49-F238E27FC236}">
+                <a16:creationId xmlns:a16="http://schemas.microsoft.com/office/drawing/2014/main" id="{C55D40F0-A807-4E52-A15B-C40133330B62}"/>
+              </a:ext>
+            </a:extLst>
+          </p:cNvPr>
+          <p:cNvPicPr>
+            <a:picLocks noGrp="1" noChangeAspect="1"/>
+          </p:cNvPicPr>
+          <p:nvPr>
+            <p:ph idx="1"/>
+          </p:nvPr>
+        </p:nvPicPr>
+        <p:blipFill>
+          <a:blip r:embed="rId2"/>
+          <a:stretch>
+            <a:fillRect/>
+          </a:stretch>
+        </p:blipFill>
+        <p:spPr>
+          <a:xfrm>
+            <a:off x="5318750" y="3429000"/>
+            <a:ext cx="2755725" cy="3404684"/>
+          </a:xfrm>
+          <a:prstGeom prst="rect">
+            <a:avLst/>
+          </a:prstGeom>
+        </p:spPr>
+      </p:pic>
+      <p:sp>
+        <p:nvSpPr>
+          <p:cNvPr id="5" name="Szövegdoboz 4">
+            <a:extLst>
+              <a:ext uri="{FF2B5EF4-FFF2-40B4-BE49-F238E27FC236}">
+                <a16:creationId xmlns:a16="http://schemas.microsoft.com/office/drawing/2014/main" id="{85B0125D-AC28-4AFE-849E-575CC329C021}"/>
+              </a:ext>
+            </a:extLst>
+          </p:cNvPr>
+          <p:cNvSpPr txBox="1"/>
+          <p:nvPr/>
+        </p:nvSpPr>
+        <p:spPr>
+          <a:xfrm>
+            <a:off x="-1" y="1359091"/>
+            <a:ext cx="12361985" cy="2031325"/>
+          </a:xfrm>
+          <a:prstGeom prst="rect">
+            <a:avLst/>
+          </a:prstGeom>
+          <a:noFill/>
+        </p:spPr>
+        <p:txBody>
+          <a:bodyPr wrap="square" rtlCol="0">
+            <a:spAutoFit/>
+          </a:bodyPr>
+          <a:lstStyle/>
+          <a:p>
+            <a:r>
+              <a:rPr lang="hu-HU" b="1" dirty="0">
+                <a:latin typeface="Times New Roman" panose="02020603050405020304" pitchFamily="18" charset="0"/>
+                <a:cs typeface="Times New Roman" panose="02020603050405020304" pitchFamily="18" charset="0"/>
+              </a:rPr>
+              <a:t>Mit jelent a rövidítés? </a:t>
+            </a:r>
+            <a:r>
+              <a:rPr lang="hu-HU" i="1" dirty="0">
+                <a:latin typeface="Times New Roman" panose="02020603050405020304" pitchFamily="18" charset="0"/>
+                <a:cs typeface="Times New Roman" panose="02020603050405020304" pitchFamily="18" charset="0"/>
+              </a:rPr>
+              <a:t>Open Systems </a:t>
+            </a:r>
+            <a:r>
+              <a:rPr lang="hu-HU" i="1" dirty="0" err="1">
+                <a:latin typeface="Times New Roman" panose="02020603050405020304" pitchFamily="18" charset="0"/>
+                <a:cs typeface="Times New Roman" panose="02020603050405020304" pitchFamily="18" charset="0"/>
+              </a:rPr>
+              <a:t>Interconnection</a:t>
+            </a:r>
+            <a:r>
+              <a:rPr lang="hu-HU" i="1" dirty="0">
+                <a:latin typeface="Times New Roman" panose="02020603050405020304" pitchFamily="18" charset="0"/>
+                <a:cs typeface="Times New Roman" panose="02020603050405020304" pitchFamily="18" charset="0"/>
+              </a:rPr>
+              <a:t> </a:t>
+            </a:r>
+            <a:r>
+              <a:rPr lang="hu-HU" i="1" dirty="0" err="1">
+                <a:latin typeface="Times New Roman" panose="02020603050405020304" pitchFamily="18" charset="0"/>
+                <a:cs typeface="Times New Roman" panose="02020603050405020304" pitchFamily="18" charset="0"/>
+              </a:rPr>
+              <a:t>Model</a:t>
+            </a:r>
+            <a:endParaRPr lang="hu-HU" dirty="0">
+              <a:latin typeface="Times New Roman" panose="02020603050405020304" pitchFamily="18" charset="0"/>
+              <a:cs typeface="Times New Roman" panose="02020603050405020304" pitchFamily="18" charset="0"/>
+            </a:endParaRPr>
+          </a:p>
+          <a:p>
+            <a:r>
+              <a:rPr lang="hu-HU" b="1" dirty="0">
+                <a:latin typeface="Times New Roman" panose="02020603050405020304" pitchFamily="18" charset="0"/>
+                <a:cs typeface="Times New Roman" panose="02020603050405020304" pitchFamily="18" charset="0"/>
+              </a:rPr>
+              <a:t>Ki fejlesztette és mikor? </a:t>
+            </a:r>
+            <a:r>
+              <a:rPr lang="hu-HU" dirty="0">
+                <a:latin typeface="Times New Roman" panose="02020603050405020304" pitchFamily="18" charset="0"/>
+                <a:cs typeface="Times New Roman" panose="02020603050405020304" pitchFamily="18" charset="0"/>
+              </a:rPr>
+              <a:t>Bachman (1978. 08)</a:t>
+            </a:r>
+            <a:br>
+              <a:rPr lang="hu-HU" dirty="0">
+                <a:latin typeface="Times New Roman" panose="02020603050405020304" pitchFamily="18" charset="0"/>
+                <a:cs typeface="Times New Roman" panose="02020603050405020304" pitchFamily="18" charset="0"/>
+              </a:rPr>
+            </a:br>
+            <a:r>
+              <a:rPr lang="hu-HU" b="1" dirty="0">
+                <a:latin typeface="Times New Roman" panose="02020603050405020304" pitchFamily="18" charset="0"/>
+                <a:cs typeface="Times New Roman" panose="02020603050405020304" pitchFamily="18" charset="0"/>
+              </a:rPr>
+              <a:t>Mi a modell célja, szerepe? </a:t>
+            </a:r>
+            <a:r>
+              <a:rPr lang="hu-HU" dirty="0">
+                <a:latin typeface="Times New Roman" panose="02020603050405020304" pitchFamily="18" charset="0"/>
+                <a:cs typeface="Times New Roman" panose="02020603050405020304" pitchFamily="18" charset="0"/>
+              </a:rPr>
+              <a:t>Nyílt rendszerek összekapcsolásával foglalkozik.</a:t>
+            </a:r>
+            <a:br>
+              <a:rPr lang="hu-HU" dirty="0">
+                <a:latin typeface="Times New Roman" panose="02020603050405020304" pitchFamily="18" charset="0"/>
+                <a:cs typeface="Times New Roman" panose="02020603050405020304" pitchFamily="18" charset="0"/>
+              </a:rPr>
+            </a:br>
+            <a:r>
+              <a:rPr lang="hu-HU" b="1" dirty="0">
+                <a:latin typeface="Times New Roman" panose="02020603050405020304" pitchFamily="18" charset="0"/>
+                <a:cs typeface="Times New Roman" panose="02020603050405020304" pitchFamily="18" charset="0"/>
+              </a:rPr>
+              <a:t>Mi a rétegek használatának indoka, előnye?</a:t>
+            </a:r>
+            <a:br>
+              <a:rPr lang="hu-HU" dirty="0">
+                <a:latin typeface="Times New Roman" panose="02020603050405020304" pitchFamily="18" charset="0"/>
+                <a:cs typeface="Times New Roman" panose="02020603050405020304" pitchFamily="18" charset="0"/>
+              </a:rPr>
+            </a:br>
+            <a:r>
+              <a:rPr lang="hu-HU" b="1" dirty="0">
+                <a:latin typeface="Times New Roman" panose="02020603050405020304" pitchFamily="18" charset="0"/>
+                <a:cs typeface="Times New Roman" panose="02020603050405020304" pitchFamily="18" charset="0"/>
+              </a:rPr>
+              <a:t>Hány rétegből áll a modell? </a:t>
+            </a:r>
+            <a:r>
+              <a:rPr lang="hu-HU" dirty="0">
+                <a:latin typeface="Times New Roman" panose="02020603050405020304" pitchFamily="18" charset="0"/>
+                <a:cs typeface="Times New Roman" panose="02020603050405020304" pitchFamily="18" charset="0"/>
+              </a:rPr>
+              <a:t>Kommunikációs rendszerben lévő adatáramlást hét absztrakciós rétegre osztja fel.</a:t>
+            </a:r>
+            <a:br>
+              <a:rPr lang="hu-HU" dirty="0">
+                <a:latin typeface="Times New Roman" panose="02020603050405020304" pitchFamily="18" charset="0"/>
+                <a:cs typeface="Times New Roman" panose="02020603050405020304" pitchFamily="18" charset="0"/>
+              </a:rPr>
+            </a:br>
+            <a:r>
+              <a:rPr lang="hu-HU" b="1" dirty="0">
+                <a:latin typeface="Times New Roman" panose="02020603050405020304" pitchFamily="18" charset="0"/>
+                <a:cs typeface="Times New Roman" panose="02020603050405020304" pitchFamily="18" charset="0"/>
+              </a:rPr>
+              <a:t>Mi az egyes rétegek angol és magyar neve? </a:t>
+            </a:r>
+            <a:r>
+              <a:rPr lang="hu-HU" dirty="0">
+                <a:latin typeface="Times New Roman" panose="02020603050405020304" pitchFamily="18" charset="0"/>
+                <a:cs typeface="Times New Roman" panose="02020603050405020304" pitchFamily="18" charset="0"/>
+              </a:rPr>
+              <a:t>Az ábrán látható.</a:t>
+            </a:r>
+            <a:br>
+              <a:rPr lang="hu-HU" dirty="0">
+                <a:latin typeface="Times New Roman" panose="02020603050405020304" pitchFamily="18" charset="0"/>
+                <a:cs typeface="Times New Roman" panose="02020603050405020304" pitchFamily="18" charset="0"/>
+              </a:rPr>
+            </a:br>
+            <a:r>
+              <a:rPr lang="hu-HU" b="1" dirty="0">
+                <a:latin typeface="Times New Roman" panose="02020603050405020304" pitchFamily="18" charset="0"/>
+                <a:cs typeface="Times New Roman" panose="02020603050405020304" pitchFamily="18" charset="0"/>
+              </a:rPr>
+              <a:t>Mi az egyes rétegek feladata?</a:t>
+            </a:r>
+            <a:r>
+              <a:rPr lang="hu-HU" dirty="0">
+                <a:latin typeface="Times New Roman" panose="02020603050405020304" pitchFamily="18" charset="0"/>
+                <a:cs typeface="Times New Roman" panose="02020603050405020304" pitchFamily="18" charset="0"/>
+              </a:rPr>
+              <a:t> Az ábrán látható. x2</a:t>
+            </a:r>
+            <a:endParaRPr lang="hu-HU" b="1" dirty="0">
+              <a:latin typeface="Times New Roman" panose="02020603050405020304" pitchFamily="18" charset="0"/>
+              <a:cs typeface="Times New Roman" panose="02020603050405020304" pitchFamily="18" charset="0"/>
+            </a:endParaRPr>
+          </a:p>
+        </p:txBody>
+      </p:sp>
+      <p:pic>
+        <p:nvPicPr>
+          <p:cNvPr id="6" name="Kép 5">
+            <a:extLst>
+              <a:ext uri="{FF2B5EF4-FFF2-40B4-BE49-F238E27FC236}">
+                <a16:creationId xmlns:a16="http://schemas.microsoft.com/office/drawing/2014/main" id="{C38EB2A1-75B5-485B-B38F-A1A9EE0EB94D}"/>
+              </a:ext>
+            </a:extLst>
+          </p:cNvPr>
+          <p:cNvPicPr>
+            <a:picLocks noChangeAspect="1"/>
+          </p:cNvPicPr>
+          <p:nvPr/>
+        </p:nvPicPr>
+        <p:blipFill>
+          <a:blip r:embed="rId3"/>
+          <a:stretch>
+            <a:fillRect/>
+          </a:stretch>
+        </p:blipFill>
+        <p:spPr>
+          <a:xfrm>
+            <a:off x="1855516" y="4121881"/>
+            <a:ext cx="3463234" cy="2754055"/>
+          </a:xfrm>
+          <a:prstGeom prst="rect">
+            <a:avLst/>
+          </a:prstGeom>
+        </p:spPr>
+      </p:pic>
+    </p:spTree>
+    <p:extLst>
+      <p:ext uri="{BB962C8B-B14F-4D97-AF65-F5344CB8AC3E}">
+        <p14:creationId xmlns:p14="http://schemas.microsoft.com/office/powerpoint/2010/main" val="3989326479"/>
+      </p:ext>
+    </p:extLst>
+  </p:cSld>
+  <p:clrMapOvr>
+    <a:masterClrMapping/>
+  </p:clrMapOvr>
+</p:sld>
+</file>
+
+<file path=ppt/slides/slide26.xml><?xml version="1.0" encoding="utf-8"?>
+<p:sld xmlns:a="http://schemas.openxmlformats.org/drawingml/2006/main" xmlns:r="http://schemas.openxmlformats.org/officeDocument/2006/relationships" xmlns:p="http://schemas.openxmlformats.org/presentationml/2006/main">
+  <p:cSld>
+    <p:spTree>
+      <p:nvGrpSpPr>
+        <p:cNvPr id="1" name=""/>
+        <p:cNvGrpSpPr/>
+        <p:nvPr/>
+      </p:nvGrpSpPr>
+      <p:grpSpPr>
+        <a:xfrm>
+          <a:off x="0" y="0"/>
+          <a:ext cx="0" cy="0"/>
+          <a:chOff x="0" y="0"/>
+          <a:chExt cx="0" cy="0"/>
+        </a:xfrm>
+      </p:grpSpPr>
+      <p:sp>
+        <p:nvSpPr>
+          <p:cNvPr id="2" name="Cím 1">
+            <a:extLst>
+              <a:ext uri="{FF2B5EF4-FFF2-40B4-BE49-F238E27FC236}">
+                <a16:creationId xmlns:a16="http://schemas.microsoft.com/office/drawing/2014/main" id="{93107FC7-77CF-436C-A5D5-5C4E1FED6E84}"/>
+              </a:ext>
+            </a:extLst>
+          </p:cNvPr>
+          <p:cNvSpPr>
+            <a:spLocks noGrp="1"/>
+          </p:cNvSpPr>
+          <p:nvPr>
+            <p:ph type="title"/>
+          </p:nvPr>
+        </p:nvSpPr>
+        <p:spPr>
+          <a:xfrm>
+            <a:off x="2231136" y="67876"/>
+            <a:ext cx="7729728" cy="1188720"/>
+          </a:xfrm>
+        </p:spPr>
+        <p:txBody>
+          <a:bodyPr/>
+          <a:lstStyle/>
+          <a:p>
+            <a:r>
+              <a:rPr lang="hu-HU" dirty="0" err="1">
+                <a:latin typeface="Gill Sans Ultra Bold" panose="020B0A02020104020203" pitchFamily="34" charset="-18"/>
+              </a:rPr>
+              <a:t>Osi</a:t>
+            </a:r>
+            <a:r>
+              <a:rPr lang="hu-HU" dirty="0">
+                <a:latin typeface="Gill Sans Ultra Bold" panose="020B0A02020104020203" pitchFamily="34" charset="-18"/>
+              </a:rPr>
+              <a:t> rétegek</a:t>
+            </a:r>
+          </a:p>
+        </p:txBody>
+      </p:sp>
+      <p:sp>
+        <p:nvSpPr>
+          <p:cNvPr id="3" name="Tartalom helye 2">
+            <a:extLst>
+              <a:ext uri="{FF2B5EF4-FFF2-40B4-BE49-F238E27FC236}">
+                <a16:creationId xmlns:a16="http://schemas.microsoft.com/office/drawing/2014/main" id="{3FB04BF5-6FAC-4CAF-A72F-A4BE86376E23}"/>
+              </a:ext>
+            </a:extLst>
+          </p:cNvPr>
+          <p:cNvSpPr>
+            <a:spLocks noGrp="1"/>
+          </p:cNvSpPr>
+          <p:nvPr>
+            <p:ph idx="1"/>
+          </p:nvPr>
+        </p:nvSpPr>
+        <p:spPr>
+          <a:xfrm>
+            <a:off x="-1" y="1415562"/>
+            <a:ext cx="12027877" cy="5205046"/>
+          </a:xfrm>
+        </p:spPr>
+        <p:txBody>
+          <a:bodyPr/>
+          <a:lstStyle/>
+          <a:p>
+            <a:r>
+              <a:rPr lang="hu-HU" b="1" dirty="0">
+                <a:latin typeface="Times New Roman" panose="02020603050405020304" pitchFamily="18" charset="0"/>
+                <a:cs typeface="Times New Roman" panose="02020603050405020304" pitchFamily="18" charset="0"/>
+              </a:rPr>
+              <a:t>1. Fizikai réteg: </a:t>
+            </a:r>
+            <a:r>
+              <a:rPr lang="hu-HU" dirty="0">
+                <a:latin typeface="Times New Roman" panose="02020603050405020304" pitchFamily="18" charset="0"/>
+                <a:cs typeface="Times New Roman" panose="02020603050405020304" pitchFamily="18" charset="0"/>
+              </a:rPr>
+              <a:t>Elektromos és mechanikai jellemzők procedurális és funkcionális specifikációja két (közvetlen fizikai összeköttetésű) eszköz közötti jeltovábbítás céljából.</a:t>
+            </a:r>
+          </a:p>
+          <a:p>
+            <a:r>
+              <a:rPr lang="hu-HU" b="1" dirty="0">
+                <a:latin typeface="Times New Roman" panose="02020603050405020304" pitchFamily="18" charset="0"/>
+                <a:cs typeface="Times New Roman" panose="02020603050405020304" pitchFamily="18" charset="0"/>
+              </a:rPr>
+              <a:t>2. Adatkapcsolati réteg: </a:t>
+            </a:r>
+            <a:r>
+              <a:rPr lang="hu-HU" dirty="0">
+                <a:latin typeface="Times New Roman" panose="02020603050405020304" pitchFamily="18" charset="0"/>
+                <a:cs typeface="Times New Roman" panose="02020603050405020304" pitchFamily="18" charset="0"/>
+              </a:rPr>
+              <a:t>Megbízható adatátvitelt biztosít egy fizikai összeköttetésen keresztül. Ezen réteg problémaköréhez tartozik a fizikai címzés, hálózati topológia, közeghozzáférés, fizikai átvitel hibajelzése és a keretek sorrendhelyes kézbesítése. Az IEEE két alrétegre (MAC, LLC) bontotta az adatkapcsolati réteget.</a:t>
+            </a:r>
+          </a:p>
+          <a:p>
+            <a:r>
+              <a:rPr lang="hu-HU" b="1" dirty="0">
+                <a:latin typeface="Times New Roman" panose="02020603050405020304" pitchFamily="18" charset="0"/>
+                <a:cs typeface="Times New Roman" panose="02020603050405020304" pitchFamily="18" charset="0"/>
+              </a:rPr>
+              <a:t>3. Hálózati réteg: </a:t>
+            </a:r>
+            <a:r>
+              <a:rPr lang="hu-HU" dirty="0">
+                <a:latin typeface="Times New Roman" panose="02020603050405020304" pitchFamily="18" charset="0"/>
+                <a:cs typeface="Times New Roman" panose="02020603050405020304" pitchFamily="18" charset="0"/>
+              </a:rPr>
+              <a:t>Összeköttetést és útvonalválasztást biztosít két hálózati csomópont között. Ehhez a réteghez tartozik a hálózati címzés és az útvonalválasztás (</a:t>
+            </a:r>
+            <a:r>
+              <a:rPr lang="hu-HU" dirty="0" err="1">
+                <a:latin typeface="Times New Roman" panose="02020603050405020304" pitchFamily="18" charset="0"/>
+                <a:cs typeface="Times New Roman" panose="02020603050405020304" pitchFamily="18" charset="0"/>
+              </a:rPr>
+              <a:t>routing</a:t>
+            </a:r>
+            <a:r>
+              <a:rPr lang="hu-HU" dirty="0">
+                <a:latin typeface="Times New Roman" panose="02020603050405020304" pitchFamily="18" charset="0"/>
+                <a:cs typeface="Times New Roman" panose="02020603050405020304" pitchFamily="18" charset="0"/>
+              </a:rPr>
+              <a:t>).</a:t>
+            </a:r>
+          </a:p>
+          <a:p>
+            <a:r>
+              <a:rPr lang="hu-HU" b="1" dirty="0">
+                <a:latin typeface="Times New Roman" panose="02020603050405020304" pitchFamily="18" charset="0"/>
+                <a:cs typeface="Times New Roman" panose="02020603050405020304" pitchFamily="18" charset="0"/>
+              </a:rPr>
+              <a:t>4. Szállítási réteg: </a:t>
+            </a:r>
+            <a:r>
+              <a:rPr lang="hu-HU" dirty="0">
+                <a:latin typeface="Times New Roman" panose="02020603050405020304" pitchFamily="18" charset="0"/>
+                <a:cs typeface="Times New Roman" panose="02020603050405020304" pitchFamily="18" charset="0"/>
+              </a:rPr>
+              <a:t>Megbízható hálózati összeköttetést létesít két csomópont között. Feladatkörébe tartozik pl. a virtuális áramkörök kezelése, átviteli hibák felismerése/javítása és az áramlásszabályozás.</a:t>
+            </a:r>
+          </a:p>
+          <a:p>
+            <a:r>
+              <a:rPr lang="hu-HU" b="1" dirty="0">
+                <a:latin typeface="Times New Roman" panose="02020603050405020304" pitchFamily="18" charset="0"/>
+                <a:cs typeface="Times New Roman" panose="02020603050405020304" pitchFamily="18" charset="0"/>
+              </a:rPr>
+              <a:t>5. Viszony réteg: </a:t>
+            </a:r>
+            <a:r>
+              <a:rPr lang="hu-HU" dirty="0">
+                <a:latin typeface="Times New Roman" panose="02020603050405020304" pitchFamily="18" charset="0"/>
+                <a:cs typeface="Times New Roman" panose="02020603050405020304" pitchFamily="18" charset="0"/>
+              </a:rPr>
+              <a:t>Ez a réteg építi ki, kezeli és fejezi be az applikációk közötti dialógusokat (session, dialógus kontroll).</a:t>
+            </a:r>
+          </a:p>
+          <a:p>
+            <a:r>
+              <a:rPr lang="hu-HU" b="1" dirty="0">
+                <a:latin typeface="Times New Roman" panose="02020603050405020304" pitchFamily="18" charset="0"/>
+                <a:cs typeface="Times New Roman" panose="02020603050405020304" pitchFamily="18" charset="0"/>
+              </a:rPr>
+              <a:t>6. Megjelenítési (prezentációs) réteg: </a:t>
+            </a:r>
+            <a:r>
+              <a:rPr lang="hu-HU" dirty="0">
+                <a:latin typeface="Times New Roman" panose="02020603050405020304" pitchFamily="18" charset="0"/>
+                <a:cs typeface="Times New Roman" panose="02020603050405020304" pitchFamily="18" charset="0"/>
+              </a:rPr>
+              <a:t>Feladata a különböző csomópontokon használt különböző adatstruktúrákból eredő információ-értelmezési problémák feloldása.</a:t>
+            </a:r>
+          </a:p>
+          <a:p>
+            <a:r>
+              <a:rPr lang="hu-HU" b="1" dirty="0">
+                <a:latin typeface="Times New Roman" panose="02020603050405020304" pitchFamily="18" charset="0"/>
+                <a:cs typeface="Times New Roman" panose="02020603050405020304" pitchFamily="18" charset="0"/>
+              </a:rPr>
+              <a:t>7. Applikációs (alkalmazási) réteg: </a:t>
+            </a:r>
+            <a:r>
+              <a:rPr lang="hu-HU" dirty="0">
+                <a:latin typeface="Times New Roman" panose="02020603050405020304" pitchFamily="18" charset="0"/>
+                <a:cs typeface="Times New Roman" panose="02020603050405020304" pitchFamily="18" charset="0"/>
+              </a:rPr>
+              <a:t>Az applikációk (fájlátvitel, e-mail stb.) működéséhez nélkülözhetetlen szolgáltatásokat biztosítja.</a:t>
+            </a:r>
+          </a:p>
+          <a:p>
+            <a:endParaRPr lang="hu-HU" dirty="0">
+              <a:latin typeface="Times New Roman" panose="02020603050405020304" pitchFamily="18" charset="0"/>
+              <a:cs typeface="Times New Roman" panose="02020603050405020304" pitchFamily="18" charset="0"/>
+            </a:endParaRPr>
+          </a:p>
+        </p:txBody>
+      </p:sp>
+    </p:spTree>
+    <p:extLst>
+      <p:ext uri="{BB962C8B-B14F-4D97-AF65-F5344CB8AC3E}">
+        <p14:creationId xmlns:p14="http://schemas.microsoft.com/office/powerpoint/2010/main" val="1008048517"/>
       </p:ext>
     </p:extLst>
   </p:cSld>

--- a/cisco/cisco2.pptx
+++ b/cisco/cisco2.pptx
@@ -31,6 +31,7 @@
     <p:sldId id="285" r:id="rId25"/>
     <p:sldId id="286" r:id="rId26"/>
     <p:sldId id="287" r:id="rId27"/>
+    <p:sldId id="288" r:id="rId28"/>
   </p:sldIdLst>
   <p:sldSz cx="12192000" cy="6858000"/>
   <p:notesSz cx="6858000" cy="9144000"/>
@@ -300,7 +301,7 @@
           <a:p>
             <a:fld id="{C58F7DD5-14C8-4383-9BDE-184FCAB00349}" type="datetimeFigureOut">
               <a:rPr lang="hu-HU" smtClean="0"/>
-              <a:t>2022. 12. 13.</a:t>
+              <a:t>2023. 01. 19.</a:t>
             </a:fld>
             <a:endParaRPr lang="hu-HU"/>
           </a:p>
@@ -470,7 +471,7 @@
           <a:p>
             <a:fld id="{C58F7DD5-14C8-4383-9BDE-184FCAB00349}" type="datetimeFigureOut">
               <a:rPr lang="hu-HU" smtClean="0"/>
-              <a:t>2022. 12. 13.</a:t>
+              <a:t>2023. 01. 19.</a:t>
             </a:fld>
             <a:endParaRPr lang="hu-HU"/>
           </a:p>
@@ -650,7 +651,7 @@
           <a:p>
             <a:fld id="{C58F7DD5-14C8-4383-9BDE-184FCAB00349}" type="datetimeFigureOut">
               <a:rPr lang="hu-HU" smtClean="0"/>
-              <a:t>2022. 12. 13.</a:t>
+              <a:t>2023. 01. 19.</a:t>
             </a:fld>
             <a:endParaRPr lang="hu-HU"/>
           </a:p>
@@ -820,7 +821,7 @@
           <a:p>
             <a:fld id="{C58F7DD5-14C8-4383-9BDE-184FCAB00349}" type="datetimeFigureOut">
               <a:rPr lang="hu-HU" smtClean="0"/>
-              <a:t>2022. 12. 13.</a:t>
+              <a:t>2023. 01. 19.</a:t>
             </a:fld>
             <a:endParaRPr lang="hu-HU"/>
           </a:p>
@@ -1088,7 +1089,7 @@
           <a:p>
             <a:fld id="{C58F7DD5-14C8-4383-9BDE-184FCAB00349}" type="datetimeFigureOut">
               <a:rPr lang="hu-HU" smtClean="0"/>
-              <a:t>2022. 12. 13.</a:t>
+              <a:t>2023. 01. 19.</a:t>
             </a:fld>
             <a:endParaRPr lang="hu-HU"/>
           </a:p>
@@ -1320,7 +1321,7 @@
           <a:p>
             <a:fld id="{C58F7DD5-14C8-4383-9BDE-184FCAB00349}" type="datetimeFigureOut">
               <a:rPr lang="hu-HU" smtClean="0"/>
-              <a:t>2022. 12. 13.</a:t>
+              <a:t>2023. 01. 19.</a:t>
             </a:fld>
             <a:endParaRPr lang="hu-HU"/>
           </a:p>
@@ -1679,7 +1680,7 @@
           <a:p>
             <a:fld id="{C58F7DD5-14C8-4383-9BDE-184FCAB00349}" type="datetimeFigureOut">
               <a:rPr lang="hu-HU" smtClean="0"/>
-              <a:t>2022. 12. 13.</a:t>
+              <a:t>2023. 01. 19.</a:t>
             </a:fld>
             <a:endParaRPr lang="hu-HU"/>
           </a:p>
@@ -1820,7 +1821,7 @@
           <a:p>
             <a:fld id="{C58F7DD5-14C8-4383-9BDE-184FCAB00349}" type="datetimeFigureOut">
               <a:rPr lang="hu-HU" smtClean="0"/>
-              <a:t>2022. 12. 13.</a:t>
+              <a:t>2023. 01. 19.</a:t>
             </a:fld>
             <a:endParaRPr lang="hu-HU"/>
           </a:p>
@@ -1915,7 +1916,7 @@
           <a:p>
             <a:fld id="{C58F7DD5-14C8-4383-9BDE-184FCAB00349}" type="datetimeFigureOut">
               <a:rPr lang="hu-HU" smtClean="0"/>
-              <a:t>2022. 12. 13.</a:t>
+              <a:t>2023. 01. 19.</a:t>
             </a:fld>
             <a:endParaRPr lang="hu-HU"/>
           </a:p>
@@ -2272,7 +2273,7 @@
           <a:p>
             <a:fld id="{C58F7DD5-14C8-4383-9BDE-184FCAB00349}" type="datetimeFigureOut">
               <a:rPr lang="hu-HU" smtClean="0"/>
-              <a:t>2022. 12. 13.</a:t>
+              <a:t>2023. 01. 19.</a:t>
             </a:fld>
             <a:endParaRPr lang="hu-HU"/>
           </a:p>
@@ -2629,7 +2630,7 @@
           <a:p>
             <a:fld id="{C58F7DD5-14C8-4383-9BDE-184FCAB00349}" type="datetimeFigureOut">
               <a:rPr lang="hu-HU" smtClean="0"/>
-              <a:t>2022. 12. 13.</a:t>
+              <a:t>2023. 01. 19.</a:t>
             </a:fld>
             <a:endParaRPr lang="hu-HU"/>
           </a:p>
@@ -2870,7 +2871,7 @@
           <a:p>
             <a:fld id="{C58F7DD5-14C8-4383-9BDE-184FCAB00349}" type="datetimeFigureOut">
               <a:rPr lang="hu-HU" smtClean="0"/>
-              <a:t>2022. 12. 13.</a:t>
+              <a:t>2023. 01. 19.</a:t>
             </a:fld>
             <a:endParaRPr lang="hu-HU"/>
           </a:p>
@@ -7492,6 +7493,189 @@
 </p:sld>
 </file>
 
+<file path=ppt/slides/slide27.xml><?xml version="1.0" encoding="utf-8"?>
+<p:sld xmlns:a="http://schemas.openxmlformats.org/drawingml/2006/main" xmlns:r="http://schemas.openxmlformats.org/officeDocument/2006/relationships" xmlns:p="http://schemas.openxmlformats.org/presentationml/2006/main">
+  <p:cSld>
+    <p:spTree>
+      <p:nvGrpSpPr>
+        <p:cNvPr id="1" name=""/>
+        <p:cNvGrpSpPr/>
+        <p:nvPr/>
+      </p:nvGrpSpPr>
+      <p:grpSpPr>
+        <a:xfrm>
+          <a:off x="0" y="0"/>
+          <a:ext cx="0" cy="0"/>
+          <a:chOff x="0" y="0"/>
+          <a:chExt cx="0" cy="0"/>
+        </a:xfrm>
+      </p:grpSpPr>
+      <p:sp>
+        <p:nvSpPr>
+          <p:cNvPr id="2" name="Cím 1">
+            <a:extLst>
+              <a:ext uri="{FF2B5EF4-FFF2-40B4-BE49-F238E27FC236}">
+                <a16:creationId xmlns:a16="http://schemas.microsoft.com/office/drawing/2014/main" id="{747A15AA-2022-4E93-B91C-281AC0C30666}"/>
+              </a:ext>
+            </a:extLst>
+          </p:cNvPr>
+          <p:cNvSpPr>
+            <a:spLocks noGrp="1"/>
+          </p:cNvSpPr>
+          <p:nvPr>
+            <p:ph type="title"/>
+          </p:nvPr>
+        </p:nvSpPr>
+        <p:spPr/>
+        <p:txBody>
+          <a:bodyPr/>
+          <a:lstStyle/>
+          <a:p>
+            <a:r>
+              <a:rPr lang="hu-HU" dirty="0">
+                <a:latin typeface="Gill Sans Ultra Bold" panose="020B0A02020104020203" pitchFamily="34" charset="-18"/>
+              </a:rPr>
+              <a:t>Fizikai Réteg</a:t>
+            </a:r>
+          </a:p>
+        </p:txBody>
+      </p:sp>
+      <p:sp>
+        <p:nvSpPr>
+          <p:cNvPr id="3" name="Tartalom helye 2">
+            <a:extLst>
+              <a:ext uri="{FF2B5EF4-FFF2-40B4-BE49-F238E27FC236}">
+                <a16:creationId xmlns:a16="http://schemas.microsoft.com/office/drawing/2014/main" id="{B3446147-3AC1-4B7D-9FF2-97E6B7969EFC}"/>
+              </a:ext>
+            </a:extLst>
+          </p:cNvPr>
+          <p:cNvSpPr>
+            <a:spLocks noGrp="1"/>
+          </p:cNvSpPr>
+          <p:nvPr>
+            <p:ph idx="1"/>
+          </p:nvPr>
+        </p:nvSpPr>
+        <p:spPr>
+          <a:xfrm>
+            <a:off x="0" y="2286351"/>
+            <a:ext cx="7729728" cy="3806718"/>
+          </a:xfrm>
+        </p:spPr>
+        <p:txBody>
+          <a:bodyPr/>
+          <a:lstStyle/>
+          <a:p>
+            <a:r>
+              <a:rPr lang="hu-HU" dirty="0">
+                <a:latin typeface="Times New Roman" panose="02020603050405020304" pitchFamily="18" charset="0"/>
+                <a:cs typeface="Times New Roman" panose="02020603050405020304" pitchFamily="18" charset="0"/>
+              </a:rPr>
+              <a:t>Minden hálózat alapja </a:t>
+            </a:r>
+          </a:p>
+          <a:p>
+            <a:r>
+              <a:rPr lang="hu-HU" dirty="0">
+                <a:latin typeface="Times New Roman" panose="02020603050405020304" pitchFamily="18" charset="0"/>
+                <a:cs typeface="Times New Roman" panose="02020603050405020304" pitchFamily="18" charset="0"/>
+              </a:rPr>
+              <a:t>Definiálja a hálózatok mechanikai, elektromos és időzített interfészeit</a:t>
+            </a:r>
+          </a:p>
+          <a:p>
+            <a:r>
+              <a:rPr lang="hu-HU" dirty="0">
+                <a:latin typeface="Times New Roman" panose="02020603050405020304" pitchFamily="18" charset="0"/>
+                <a:cs typeface="Times New Roman" panose="02020603050405020304" pitchFamily="18" charset="0"/>
+              </a:rPr>
+              <a:t>Az adatátvitel sebességet a természet korlátozza</a:t>
+            </a:r>
+          </a:p>
+          <a:p>
+            <a:r>
+              <a:rPr lang="hu-HU" dirty="0">
+                <a:latin typeface="Times New Roman" panose="02020603050405020304" pitchFamily="18" charset="0"/>
+                <a:cs typeface="Times New Roman" panose="02020603050405020304" pitchFamily="18" charset="0"/>
+              </a:rPr>
+              <a:t>Jeleket kondicionálja pl.:</a:t>
+            </a:r>
+          </a:p>
+        </p:txBody>
+      </p:sp>
+      <p:pic>
+        <p:nvPicPr>
+          <p:cNvPr id="4" name="Kép 3">
+            <a:extLst>
+              <a:ext uri="{FF2B5EF4-FFF2-40B4-BE49-F238E27FC236}">
+                <a16:creationId xmlns:a16="http://schemas.microsoft.com/office/drawing/2014/main" id="{4B5E4E42-1BB8-451E-B814-F68AFB25905F}"/>
+              </a:ext>
+            </a:extLst>
+          </p:cNvPr>
+          <p:cNvPicPr>
+            <a:picLocks noChangeAspect="1"/>
+          </p:cNvPicPr>
+          <p:nvPr/>
+        </p:nvPicPr>
+        <p:blipFill>
+          <a:blip r:embed="rId2"/>
+          <a:stretch>
+            <a:fillRect/>
+          </a:stretch>
+        </p:blipFill>
+        <p:spPr>
+          <a:xfrm>
+            <a:off x="172307" y="3987534"/>
+            <a:ext cx="3477110" cy="1533739"/>
+          </a:xfrm>
+          <a:prstGeom prst="rect">
+            <a:avLst/>
+          </a:prstGeom>
+        </p:spPr>
+      </p:pic>
+      <p:pic>
+        <p:nvPicPr>
+          <p:cNvPr id="5" name="Kép 4">
+            <a:extLst>
+              <a:ext uri="{FF2B5EF4-FFF2-40B4-BE49-F238E27FC236}">
+                <a16:creationId xmlns:a16="http://schemas.microsoft.com/office/drawing/2014/main" id="{CADEEF75-FCD0-4980-B5F8-6B1B7D3E8A90}"/>
+              </a:ext>
+            </a:extLst>
+          </p:cNvPr>
+          <p:cNvPicPr>
+            <a:picLocks noChangeAspect="1"/>
+          </p:cNvPicPr>
+          <p:nvPr/>
+        </p:nvPicPr>
+        <p:blipFill>
+          <a:blip r:embed="rId3"/>
+          <a:stretch>
+            <a:fillRect/>
+          </a:stretch>
+        </p:blipFill>
+        <p:spPr>
+          <a:xfrm>
+            <a:off x="7012816" y="2382716"/>
+            <a:ext cx="4360471" cy="787134"/>
+          </a:xfrm>
+          <a:prstGeom prst="rect">
+            <a:avLst/>
+          </a:prstGeom>
+        </p:spPr>
+      </p:pic>
+    </p:spTree>
+    <p:extLst>
+      <p:ext uri="{BB962C8B-B14F-4D97-AF65-F5344CB8AC3E}">
+        <p14:creationId xmlns:p14="http://schemas.microsoft.com/office/powerpoint/2010/main" val="1611545089"/>
+      </p:ext>
+    </p:extLst>
+  </p:cSld>
+  <p:clrMapOvr>
+    <a:masterClrMapping/>
+  </p:clrMapOvr>
+</p:sld>
+</file>
+
 <file path=ppt/slides/slide3.xml><?xml version="1.0" encoding="utf-8"?>
 <p:sld xmlns:a="http://schemas.openxmlformats.org/drawingml/2006/main" xmlns:r="http://schemas.openxmlformats.org/officeDocument/2006/relationships" xmlns:p="http://schemas.openxmlformats.org/presentationml/2006/main">
   <p:cSld>

--- a/cisco/cisco2.pptx
+++ b/cisco/cisco2.pptx
@@ -32,6 +32,8 @@
     <p:sldId id="286" r:id="rId26"/>
     <p:sldId id="287" r:id="rId27"/>
     <p:sldId id="288" r:id="rId28"/>
+    <p:sldId id="290" r:id="rId29"/>
+    <p:sldId id="289" r:id="rId30"/>
   </p:sldIdLst>
   <p:sldSz cx="12192000" cy="6858000"/>
   <p:notesSz cx="6858000" cy="9144000"/>
@@ -301,7 +303,7 @@
           <a:p>
             <a:fld id="{C58F7DD5-14C8-4383-9BDE-184FCAB00349}" type="datetimeFigureOut">
               <a:rPr lang="hu-HU" smtClean="0"/>
-              <a:t>2023. 01. 19.</a:t>
+              <a:t>2023. 01. 27.</a:t>
             </a:fld>
             <a:endParaRPr lang="hu-HU"/>
           </a:p>
@@ -471,7 +473,7 @@
           <a:p>
             <a:fld id="{C58F7DD5-14C8-4383-9BDE-184FCAB00349}" type="datetimeFigureOut">
               <a:rPr lang="hu-HU" smtClean="0"/>
-              <a:t>2023. 01. 19.</a:t>
+              <a:t>2023. 01. 27.</a:t>
             </a:fld>
             <a:endParaRPr lang="hu-HU"/>
           </a:p>
@@ -651,7 +653,7 @@
           <a:p>
             <a:fld id="{C58F7DD5-14C8-4383-9BDE-184FCAB00349}" type="datetimeFigureOut">
               <a:rPr lang="hu-HU" smtClean="0"/>
-              <a:t>2023. 01. 19.</a:t>
+              <a:t>2023. 01. 27.</a:t>
             </a:fld>
             <a:endParaRPr lang="hu-HU"/>
           </a:p>
@@ -821,7 +823,7 @@
           <a:p>
             <a:fld id="{C58F7DD5-14C8-4383-9BDE-184FCAB00349}" type="datetimeFigureOut">
               <a:rPr lang="hu-HU" smtClean="0"/>
-              <a:t>2023. 01. 19.</a:t>
+              <a:t>2023. 01. 27.</a:t>
             </a:fld>
             <a:endParaRPr lang="hu-HU"/>
           </a:p>
@@ -1089,7 +1091,7 @@
           <a:p>
             <a:fld id="{C58F7DD5-14C8-4383-9BDE-184FCAB00349}" type="datetimeFigureOut">
               <a:rPr lang="hu-HU" smtClean="0"/>
-              <a:t>2023. 01. 19.</a:t>
+              <a:t>2023. 01. 27.</a:t>
             </a:fld>
             <a:endParaRPr lang="hu-HU"/>
           </a:p>
@@ -1321,7 +1323,7 @@
           <a:p>
             <a:fld id="{C58F7DD5-14C8-4383-9BDE-184FCAB00349}" type="datetimeFigureOut">
               <a:rPr lang="hu-HU" smtClean="0"/>
-              <a:t>2023. 01. 19.</a:t>
+              <a:t>2023. 01. 27.</a:t>
             </a:fld>
             <a:endParaRPr lang="hu-HU"/>
           </a:p>
@@ -1680,7 +1682,7 @@
           <a:p>
             <a:fld id="{C58F7DD5-14C8-4383-9BDE-184FCAB00349}" type="datetimeFigureOut">
               <a:rPr lang="hu-HU" smtClean="0"/>
-              <a:t>2023. 01. 19.</a:t>
+              <a:t>2023. 01. 27.</a:t>
             </a:fld>
             <a:endParaRPr lang="hu-HU"/>
           </a:p>
@@ -1821,7 +1823,7 @@
           <a:p>
             <a:fld id="{C58F7DD5-14C8-4383-9BDE-184FCAB00349}" type="datetimeFigureOut">
               <a:rPr lang="hu-HU" smtClean="0"/>
-              <a:t>2023. 01. 19.</a:t>
+              <a:t>2023. 01. 27.</a:t>
             </a:fld>
             <a:endParaRPr lang="hu-HU"/>
           </a:p>
@@ -1916,7 +1918,7 @@
           <a:p>
             <a:fld id="{C58F7DD5-14C8-4383-9BDE-184FCAB00349}" type="datetimeFigureOut">
               <a:rPr lang="hu-HU" smtClean="0"/>
-              <a:t>2023. 01. 19.</a:t>
+              <a:t>2023. 01. 27.</a:t>
             </a:fld>
             <a:endParaRPr lang="hu-HU"/>
           </a:p>
@@ -2273,7 +2275,7 @@
           <a:p>
             <a:fld id="{C58F7DD5-14C8-4383-9BDE-184FCAB00349}" type="datetimeFigureOut">
               <a:rPr lang="hu-HU" smtClean="0"/>
-              <a:t>2023. 01. 19.</a:t>
+              <a:t>2023. 01. 27.</a:t>
             </a:fld>
             <a:endParaRPr lang="hu-HU"/>
           </a:p>
@@ -2630,7 +2632,7 @@
           <a:p>
             <a:fld id="{C58F7DD5-14C8-4383-9BDE-184FCAB00349}" type="datetimeFigureOut">
               <a:rPr lang="hu-HU" smtClean="0"/>
-              <a:t>2023. 01. 19.</a:t>
+              <a:t>2023. 01. 27.</a:t>
             </a:fld>
             <a:endParaRPr lang="hu-HU"/>
           </a:p>
@@ -2871,7 +2873,7 @@
           <a:p>
             <a:fld id="{C58F7DD5-14C8-4383-9BDE-184FCAB00349}" type="datetimeFigureOut">
               <a:rPr lang="hu-HU" smtClean="0"/>
-              <a:t>2023. 01. 19.</a:t>
+              <a:t>2023. 01. 27.</a:t>
             </a:fld>
             <a:endParaRPr lang="hu-HU"/>
           </a:p>
@@ -7526,7 +7528,12 @@
             <p:ph type="title"/>
           </p:nvPr>
         </p:nvSpPr>
-        <p:spPr/>
+        <p:spPr>
+          <a:xfrm>
+            <a:off x="2231136" y="343405"/>
+            <a:ext cx="7729728" cy="1188720"/>
+          </a:xfrm>
+        </p:spPr>
         <p:txBody>
           <a:bodyPr/>
           <a:lstStyle/>
@@ -7667,6 +7674,489 @@
     <p:extLst>
       <p:ext uri="{BB962C8B-B14F-4D97-AF65-F5344CB8AC3E}">
         <p14:creationId xmlns:p14="http://schemas.microsoft.com/office/powerpoint/2010/main" val="1611545089"/>
+      </p:ext>
+    </p:extLst>
+  </p:cSld>
+  <p:clrMapOvr>
+    <a:masterClrMapping/>
+  </p:clrMapOvr>
+</p:sld>
+</file>
+
+<file path=ppt/slides/slide28.xml><?xml version="1.0" encoding="utf-8"?>
+<p:sld xmlns:a="http://schemas.openxmlformats.org/drawingml/2006/main" xmlns:r="http://schemas.openxmlformats.org/officeDocument/2006/relationships" xmlns:p="http://schemas.openxmlformats.org/presentationml/2006/main">
+  <p:cSld>
+    <p:spTree>
+      <p:nvGrpSpPr>
+        <p:cNvPr id="1" name=""/>
+        <p:cNvGrpSpPr/>
+        <p:nvPr/>
+      </p:nvGrpSpPr>
+      <p:grpSpPr>
+        <a:xfrm>
+          <a:off x="0" y="0"/>
+          <a:ext cx="0" cy="0"/>
+          <a:chOff x="0" y="0"/>
+          <a:chExt cx="0" cy="0"/>
+        </a:xfrm>
+      </p:grpSpPr>
+      <p:sp>
+        <p:nvSpPr>
+          <p:cNvPr id="2" name="Cím 1">
+            <a:extLst>
+              <a:ext uri="{FF2B5EF4-FFF2-40B4-BE49-F238E27FC236}">
+                <a16:creationId xmlns:a16="http://schemas.microsoft.com/office/drawing/2014/main" id="{1BA76C44-0867-4B25-8019-D3C3C4BB9E62}"/>
+              </a:ext>
+            </a:extLst>
+          </p:cNvPr>
+          <p:cNvSpPr>
+            <a:spLocks noGrp="1"/>
+          </p:cNvSpPr>
+          <p:nvPr>
+            <p:ph type="title"/>
+          </p:nvPr>
+        </p:nvSpPr>
+        <p:spPr>
+          <a:xfrm>
+            <a:off x="2231136" y="182177"/>
+            <a:ext cx="7729728" cy="1188720"/>
+          </a:xfrm>
+        </p:spPr>
+        <p:txBody>
+          <a:bodyPr/>
+          <a:lstStyle/>
+          <a:p>
+            <a:r>
+              <a:rPr lang="hu-HU" dirty="0">
+                <a:latin typeface="Gill Sans Ultra Bold" panose="020B0A02020104020203" pitchFamily="34" charset="-18"/>
+              </a:rPr>
+              <a:t>Koaxiális kábel</a:t>
+            </a:r>
+          </a:p>
+        </p:txBody>
+      </p:sp>
+      <p:sp>
+        <p:nvSpPr>
+          <p:cNvPr id="3" name="Tartalom helye 2">
+            <a:extLst>
+              <a:ext uri="{FF2B5EF4-FFF2-40B4-BE49-F238E27FC236}">
+                <a16:creationId xmlns:a16="http://schemas.microsoft.com/office/drawing/2014/main" id="{1AB0F714-08BE-4C37-997A-D0FD95CF2547}"/>
+              </a:ext>
+            </a:extLst>
+          </p:cNvPr>
+          <p:cNvSpPr>
+            <a:spLocks noGrp="1"/>
+          </p:cNvSpPr>
+          <p:nvPr>
+            <p:ph idx="1"/>
+          </p:nvPr>
+        </p:nvSpPr>
+        <p:spPr>
+          <a:xfrm>
+            <a:off x="70338" y="2153412"/>
+            <a:ext cx="7659390" cy="3552796"/>
+          </a:xfrm>
+        </p:spPr>
+        <p:txBody>
+          <a:bodyPr>
+            <a:normAutofit lnSpcReduction="10000"/>
+          </a:bodyPr>
+          <a:lstStyle/>
+          <a:p>
+            <a:r>
+              <a:rPr lang="hu-HU" dirty="0">
+                <a:latin typeface="Times New Roman" panose="02020603050405020304" pitchFamily="18" charset="0"/>
+                <a:cs typeface="Times New Roman" panose="02020603050405020304" pitchFamily="18" charset="0"/>
+              </a:rPr>
+              <a:t>A koaxiális kábel - vagy röviden </a:t>
+            </a:r>
+            <a:r>
+              <a:rPr lang="hu-HU" dirty="0" err="1">
+                <a:latin typeface="Times New Roman" panose="02020603050405020304" pitchFamily="18" charset="0"/>
+                <a:cs typeface="Times New Roman" panose="02020603050405020304" pitchFamily="18" charset="0"/>
+              </a:rPr>
+              <a:t>koax</a:t>
+            </a:r>
+            <a:r>
+              <a:rPr lang="hu-HU" dirty="0">
+                <a:latin typeface="Times New Roman" panose="02020603050405020304" pitchFamily="18" charset="0"/>
+                <a:cs typeface="Times New Roman" panose="02020603050405020304" pitchFamily="18" charset="0"/>
+              </a:rPr>
+              <a:t> - elnevezés a vezeték szerkezetéből származik, mivel két vezető egy közös tengelyen (</a:t>
+            </a:r>
+            <a:r>
+              <a:rPr lang="hu-HU" dirty="0" err="1">
+                <a:latin typeface="Times New Roman" panose="02020603050405020304" pitchFamily="18" charset="0"/>
+                <a:cs typeface="Times New Roman" panose="02020603050405020304" pitchFamily="18" charset="0"/>
+              </a:rPr>
+              <a:t>axis</a:t>
+            </a:r>
+            <a:r>
+              <a:rPr lang="hu-HU" dirty="0">
+                <a:latin typeface="Times New Roman" panose="02020603050405020304" pitchFamily="18" charset="0"/>
+                <a:cs typeface="Times New Roman" panose="02020603050405020304" pitchFamily="18" charset="0"/>
+              </a:rPr>
+              <a:t>) osztozik</a:t>
+            </a:r>
+          </a:p>
+          <a:p>
+            <a:endParaRPr lang="hu-HU" dirty="0">
+              <a:latin typeface="Times New Roman" panose="02020603050405020304" pitchFamily="18" charset="0"/>
+              <a:cs typeface="Times New Roman" panose="02020603050405020304" pitchFamily="18" charset="0"/>
+            </a:endParaRPr>
+          </a:p>
+          <a:p>
+            <a:r>
+              <a:rPr lang="hu-HU" dirty="0">
+                <a:latin typeface="Times New Roman" panose="02020603050405020304" pitchFamily="18" charset="0"/>
+                <a:cs typeface="Times New Roman" panose="02020603050405020304" pitchFamily="18" charset="0"/>
+              </a:rPr>
+              <a:t>Egy rézvezető, amely az elektronikus jelek továbbítását végzi.</a:t>
+            </a:r>
+          </a:p>
+          <a:p>
+            <a:r>
+              <a:rPr lang="hu-HU" dirty="0">
+                <a:latin typeface="Times New Roman" panose="02020603050405020304" pitchFamily="18" charset="0"/>
+                <a:cs typeface="Times New Roman" panose="02020603050405020304" pitchFamily="18" charset="0"/>
+              </a:rPr>
+              <a:t>A rézvezetőt körülvevő rugalmas műanyag szigetelőréteg.</a:t>
+            </a:r>
+          </a:p>
+          <a:p>
+            <a:r>
+              <a:rPr lang="hu-HU" dirty="0">
+                <a:latin typeface="Times New Roman" panose="02020603050405020304" pitchFamily="18" charset="0"/>
+                <a:cs typeface="Times New Roman" panose="02020603050405020304" pitchFamily="18" charset="0"/>
+              </a:rPr>
+              <a:t>A szigetelőanyagot beborító rézfonat vagy fémfólia, amely az áramkör második vezetékeként és a belső vezető árnyékolójaként működik. Ez a második réteg (más néven árnyékolás) a külső elektromágneses interferencia hatását is csökkenti.</a:t>
+            </a:r>
+          </a:p>
+          <a:p>
+            <a:r>
+              <a:rPr lang="hu-HU" dirty="0">
+                <a:latin typeface="Times New Roman" panose="02020603050405020304" pitchFamily="18" charset="0"/>
+                <a:cs typeface="Times New Roman" panose="02020603050405020304" pitchFamily="18" charset="0"/>
+              </a:rPr>
+              <a:t>A kisebb fizikai sérülések elleni védelem érdekében az egész kábel egy borítással van bevonva.</a:t>
+            </a:r>
+          </a:p>
+          <a:p>
+            <a:endParaRPr lang="hu-HU" dirty="0">
+              <a:latin typeface="Times New Roman" panose="02020603050405020304" pitchFamily="18" charset="0"/>
+              <a:cs typeface="Times New Roman" panose="02020603050405020304" pitchFamily="18" charset="0"/>
+            </a:endParaRPr>
+          </a:p>
+        </p:txBody>
+      </p:sp>
+      <p:pic>
+        <p:nvPicPr>
+          <p:cNvPr id="4" name="Kép 3">
+            <a:extLst>
+              <a:ext uri="{FF2B5EF4-FFF2-40B4-BE49-F238E27FC236}">
+                <a16:creationId xmlns:a16="http://schemas.microsoft.com/office/drawing/2014/main" id="{010CCD57-FA65-436F-B87D-8961F21FFB07}"/>
+              </a:ext>
+            </a:extLst>
+          </p:cNvPr>
+          <p:cNvPicPr>
+            <a:picLocks noChangeAspect="1"/>
+          </p:cNvPicPr>
+          <p:nvPr/>
+        </p:nvPicPr>
+        <p:blipFill>
+          <a:blip r:embed="rId2"/>
+          <a:stretch>
+            <a:fillRect/>
+          </a:stretch>
+        </p:blipFill>
+        <p:spPr>
+          <a:xfrm>
+            <a:off x="7403123" y="4411865"/>
+            <a:ext cx="4300724" cy="1294343"/>
+          </a:xfrm>
+          <a:prstGeom prst="rect">
+            <a:avLst/>
+          </a:prstGeom>
+        </p:spPr>
+      </p:pic>
+    </p:spTree>
+    <p:extLst>
+      <p:ext uri="{BB962C8B-B14F-4D97-AF65-F5344CB8AC3E}">
+        <p14:creationId xmlns:p14="http://schemas.microsoft.com/office/powerpoint/2010/main" val="30938945"/>
+      </p:ext>
+    </p:extLst>
+  </p:cSld>
+  <p:clrMapOvr>
+    <a:masterClrMapping/>
+  </p:clrMapOvr>
+</p:sld>
+</file>
+
+<file path=ppt/slides/slide29.xml><?xml version="1.0" encoding="utf-8"?>
+<p:sld xmlns:a="http://schemas.openxmlformats.org/drawingml/2006/main" xmlns:r="http://schemas.openxmlformats.org/officeDocument/2006/relationships" xmlns:p="http://schemas.openxmlformats.org/presentationml/2006/main">
+  <p:cSld>
+    <p:spTree>
+      <p:nvGrpSpPr>
+        <p:cNvPr id="1" name=""/>
+        <p:cNvGrpSpPr/>
+        <p:nvPr/>
+      </p:nvGrpSpPr>
+      <p:grpSpPr>
+        <a:xfrm>
+          <a:off x="0" y="0"/>
+          <a:ext cx="0" cy="0"/>
+          <a:chOff x="0" y="0"/>
+          <a:chExt cx="0" cy="0"/>
+        </a:xfrm>
+      </p:grpSpPr>
+      <p:sp>
+        <p:nvSpPr>
+          <p:cNvPr id="2" name="Cím 1">
+            <a:extLst>
+              <a:ext uri="{FF2B5EF4-FFF2-40B4-BE49-F238E27FC236}">
+                <a16:creationId xmlns:a16="http://schemas.microsoft.com/office/drawing/2014/main" id="{6C80A5EF-6741-4B3D-8646-6F672811F724}"/>
+              </a:ext>
+            </a:extLst>
+          </p:cNvPr>
+          <p:cNvSpPr>
+            <a:spLocks noGrp="1"/>
+          </p:cNvSpPr>
+          <p:nvPr>
+            <p:ph type="title"/>
+          </p:nvPr>
+        </p:nvSpPr>
+        <p:spPr>
+          <a:xfrm>
+            <a:off x="2046497" y="296476"/>
+            <a:ext cx="7729728" cy="1188720"/>
+          </a:xfrm>
+        </p:spPr>
+        <p:txBody>
+          <a:bodyPr/>
+          <a:lstStyle/>
+          <a:p>
+            <a:r>
+              <a:rPr lang="hu-HU" dirty="0">
+                <a:latin typeface="Gill Sans Ultra Bold" panose="020B0A02020104020203" pitchFamily="34" charset="-18"/>
+              </a:rPr>
+              <a:t>UTP (</a:t>
+            </a:r>
+            <a:r>
+              <a:rPr lang="hu-HU" dirty="0" err="1">
+                <a:latin typeface="Gill Sans Ultra Bold" panose="020B0A02020104020203" pitchFamily="34" charset="-18"/>
+              </a:rPr>
+              <a:t>Unshielded</a:t>
+            </a:r>
+            <a:r>
+              <a:rPr lang="hu-HU" dirty="0">
+                <a:latin typeface="Gill Sans Ultra Bold" panose="020B0A02020104020203" pitchFamily="34" charset="-18"/>
+              </a:rPr>
+              <a:t> twisted </a:t>
+            </a:r>
+            <a:r>
+              <a:rPr lang="hu-HU" dirty="0" err="1">
+                <a:latin typeface="Gill Sans Ultra Bold" panose="020B0A02020104020203" pitchFamily="34" charset="-18"/>
+              </a:rPr>
+              <a:t>pair</a:t>
+            </a:r>
+            <a:r>
+              <a:rPr lang="hu-HU" dirty="0">
+                <a:latin typeface="Gill Sans Ultra Bold" panose="020B0A02020104020203" pitchFamily="34" charset="-18"/>
+              </a:rPr>
+              <a:t>)</a:t>
+            </a:r>
+          </a:p>
+        </p:txBody>
+      </p:sp>
+      <p:sp>
+        <p:nvSpPr>
+          <p:cNvPr id="3" name="Tartalom helye 2">
+            <a:extLst>
+              <a:ext uri="{FF2B5EF4-FFF2-40B4-BE49-F238E27FC236}">
+                <a16:creationId xmlns:a16="http://schemas.microsoft.com/office/drawing/2014/main" id="{D95B8189-D5D9-4BB4-9C79-395B8103A82D}"/>
+              </a:ext>
+            </a:extLst>
+          </p:cNvPr>
+          <p:cNvSpPr>
+            <a:spLocks noGrp="1"/>
+          </p:cNvSpPr>
+          <p:nvPr>
+            <p:ph idx="1"/>
+          </p:nvPr>
+        </p:nvSpPr>
+        <p:spPr>
+          <a:xfrm>
+            <a:off x="0" y="1609789"/>
+            <a:ext cx="6638193" cy="4510102"/>
+          </a:xfrm>
+        </p:spPr>
+        <p:txBody>
+          <a:bodyPr/>
+          <a:lstStyle/>
+          <a:p>
+            <a:r>
+              <a:rPr lang="hu-HU" dirty="0">
+                <a:latin typeface="Times New Roman" panose="02020603050405020304" pitchFamily="18" charset="0"/>
+                <a:cs typeface="Times New Roman" panose="02020603050405020304" pitchFamily="18" charset="0"/>
+              </a:rPr>
+              <a:t>UTP – árnyékolatlan csavart érpár</a:t>
+            </a:r>
+          </a:p>
+          <a:p>
+            <a:r>
+              <a:rPr lang="hu-HU" dirty="0">
+                <a:latin typeface="Times New Roman" panose="02020603050405020304" pitchFamily="18" charset="0"/>
+                <a:cs typeface="Times New Roman" panose="02020603050405020304" pitchFamily="18" charset="0"/>
+              </a:rPr>
+              <a:t>Közepes zavartvédettség és megbízhatóság</a:t>
+            </a:r>
+          </a:p>
+          <a:p>
+            <a:r>
+              <a:rPr lang="hu-HU" dirty="0">
+                <a:latin typeface="Times New Roman" panose="02020603050405020304" pitchFamily="18" charset="0"/>
+                <a:cs typeface="Times New Roman" panose="02020603050405020304" pitchFamily="18" charset="0"/>
+              </a:rPr>
+              <a:t>Tipikus 10BaseT Ethernet kábelezés</a:t>
+            </a:r>
+          </a:p>
+          <a:p>
+            <a:r>
+              <a:rPr lang="hu-HU" dirty="0">
+                <a:latin typeface="Times New Roman" panose="02020603050405020304" pitchFamily="18" charset="0"/>
+                <a:cs typeface="Times New Roman" panose="02020603050405020304" pitchFamily="18" charset="0"/>
+              </a:rPr>
+              <a:t>4db vezeték adás és vétel ág, </a:t>
+            </a:r>
+            <a:r>
+              <a:rPr lang="hu-HU" dirty="0" err="1">
+                <a:latin typeface="Times New Roman" panose="02020603050405020304" pitchFamily="18" charset="0"/>
+                <a:cs typeface="Times New Roman" panose="02020603050405020304" pitchFamily="18" charset="0"/>
+              </a:rPr>
+              <a:t>max</a:t>
+            </a:r>
+            <a:r>
+              <a:rPr lang="hu-HU" dirty="0">
+                <a:latin typeface="Times New Roman" panose="02020603050405020304" pitchFamily="18" charset="0"/>
+                <a:cs typeface="Times New Roman" panose="02020603050405020304" pitchFamily="18" charset="0"/>
+              </a:rPr>
+              <a:t>. 100m</a:t>
+            </a:r>
+          </a:p>
+          <a:p>
+            <a:endParaRPr lang="hu-HU" dirty="0">
+              <a:latin typeface="Times New Roman" panose="02020603050405020304" pitchFamily="18" charset="0"/>
+              <a:cs typeface="Times New Roman" panose="02020603050405020304" pitchFamily="18" charset="0"/>
+            </a:endParaRPr>
+          </a:p>
+          <a:p>
+            <a:pPr marL="0" indent="0">
+              <a:buNone/>
+            </a:pPr>
+            <a:r>
+              <a:rPr lang="hu-HU" dirty="0" err="1">
+                <a:latin typeface="Times New Roman" panose="02020603050405020304" pitchFamily="18" charset="0"/>
+                <a:cs typeface="Times New Roman" panose="02020603050405020304" pitchFamily="18" charset="0"/>
+              </a:rPr>
+              <a:t>Shielded</a:t>
+            </a:r>
+            <a:r>
+              <a:rPr lang="hu-HU" dirty="0">
+                <a:latin typeface="Times New Roman" panose="02020603050405020304" pitchFamily="18" charset="0"/>
+                <a:cs typeface="Times New Roman" panose="02020603050405020304" pitchFamily="18" charset="0"/>
+              </a:rPr>
+              <a:t> Twisted </a:t>
+            </a:r>
+            <a:r>
+              <a:rPr lang="hu-HU" dirty="0" err="1">
+                <a:latin typeface="Times New Roman" panose="02020603050405020304" pitchFamily="18" charset="0"/>
+                <a:cs typeface="Times New Roman" panose="02020603050405020304" pitchFamily="18" charset="0"/>
+              </a:rPr>
+              <a:t>Pair</a:t>
+            </a:r>
+            <a:r>
+              <a:rPr lang="hu-HU" dirty="0">
+                <a:latin typeface="Times New Roman" panose="02020603050405020304" pitchFamily="18" charset="0"/>
+                <a:cs typeface="Times New Roman" panose="02020603050405020304" pitchFamily="18" charset="0"/>
+              </a:rPr>
+              <a:t> (STP) kábel</a:t>
+            </a:r>
+          </a:p>
+          <a:p>
+            <a:r>
+              <a:rPr lang="hu-HU" dirty="0">
+                <a:latin typeface="Times New Roman" panose="02020603050405020304" pitchFamily="18" charset="0"/>
+                <a:cs typeface="Times New Roman" panose="02020603050405020304" pitchFamily="18" charset="0"/>
+              </a:rPr>
+              <a:t>Az árnyékolt csavart érpáras kábel (STP) jobb zaj elleni védelmet biztosít, mint az UTP kábel. Viszont az UTP-hez hasonlítva az STP kábel lényegesen drágább, és nehezebb is telepíteni. </a:t>
+            </a:r>
+          </a:p>
+        </p:txBody>
+      </p:sp>
+      <p:pic>
+        <p:nvPicPr>
+          <p:cNvPr id="4" name="Kép 3">
+            <a:extLst>
+              <a:ext uri="{FF2B5EF4-FFF2-40B4-BE49-F238E27FC236}">
+                <a16:creationId xmlns:a16="http://schemas.microsoft.com/office/drawing/2014/main" id="{A94B6613-EAA6-4B71-978D-F5C8D7FA46AF}"/>
+              </a:ext>
+            </a:extLst>
+          </p:cNvPr>
+          <p:cNvPicPr>
+            <a:picLocks noChangeAspect="1"/>
+          </p:cNvPicPr>
+          <p:nvPr/>
+        </p:nvPicPr>
+        <p:blipFill>
+          <a:blip r:embed="rId2"/>
+          <a:stretch>
+            <a:fillRect/>
+          </a:stretch>
+        </p:blipFill>
+        <p:spPr>
+          <a:xfrm>
+            <a:off x="4475283" y="1723644"/>
+            <a:ext cx="1801366" cy="1801366"/>
+          </a:xfrm>
+          <a:prstGeom prst="rect">
+            <a:avLst/>
+          </a:prstGeom>
+        </p:spPr>
+      </p:pic>
+      <p:pic>
+        <p:nvPicPr>
+          <p:cNvPr id="5" name="Kép 4">
+            <a:extLst>
+              <a:ext uri="{FF2B5EF4-FFF2-40B4-BE49-F238E27FC236}">
+                <a16:creationId xmlns:a16="http://schemas.microsoft.com/office/drawing/2014/main" id="{0EB6CE0E-504E-4FAC-A05D-4A82EAB186DB}"/>
+              </a:ext>
+            </a:extLst>
+          </p:cNvPr>
+          <p:cNvPicPr>
+            <a:picLocks noChangeAspect="1"/>
+          </p:cNvPicPr>
+          <p:nvPr/>
+        </p:nvPicPr>
+        <p:blipFill>
+          <a:blip r:embed="rId3"/>
+          <a:stretch>
+            <a:fillRect/>
+          </a:stretch>
+        </p:blipFill>
+        <p:spPr>
+          <a:xfrm>
+            <a:off x="6638193" y="3864840"/>
+            <a:ext cx="1896056" cy="1978238"/>
+          </a:xfrm>
+          <a:prstGeom prst="rect">
+            <a:avLst/>
+          </a:prstGeom>
+        </p:spPr>
+      </p:pic>
+    </p:spTree>
+    <p:extLst>
+      <p:ext uri="{BB962C8B-B14F-4D97-AF65-F5344CB8AC3E}">
+        <p14:creationId xmlns:p14="http://schemas.microsoft.com/office/powerpoint/2010/main" val="3662580053"/>
       </p:ext>
     </p:extLst>
   </p:cSld>
